--- a/Kings and pigs.pptx
+++ b/Kings and pigs.pptx
@@ -5,15 +5,19 @@
     <p:sldMasterId id="2147483648" r:id="rId1"/>
   </p:sldMasterIdLst>
   <p:notesMasterIdLst>
-    <p:notesMasterId r:id="rId8"/>
+    <p:notesMasterId r:id="rId12"/>
   </p:notesMasterIdLst>
   <p:sldIdLst>
     <p:sldId id="256" r:id="rId2"/>
-    <p:sldId id="257" r:id="rId3"/>
-    <p:sldId id="261" r:id="rId4"/>
-    <p:sldId id="258" r:id="rId5"/>
-    <p:sldId id="259" r:id="rId6"/>
-    <p:sldId id="260" r:id="rId7"/>
+    <p:sldId id="259" r:id="rId3"/>
+    <p:sldId id="262" r:id="rId4"/>
+    <p:sldId id="264" r:id="rId5"/>
+    <p:sldId id="266" r:id="rId6"/>
+    <p:sldId id="265" r:id="rId7"/>
+    <p:sldId id="261" r:id="rId8"/>
+    <p:sldId id="258" r:id="rId9"/>
+    <p:sldId id="263" r:id="rId10"/>
+    <p:sldId id="260" r:id="rId11"/>
   </p:sldIdLst>
   <p:sldSz cx="12192000" cy="6858000"/>
   <p:notesSz cx="6858000" cy="9144000"/>
@@ -112,6 +116,11 @@
       </a:defRPr>
     </a:lvl9pPr>
   </p:defaultTextStyle>
+  <p:extLst>
+    <p:ext uri="{EFAFB233-063F-42B5-8137-9DF3F51BA10A}">
+      <p15:sldGuideLst xmlns:p15="http://schemas.microsoft.com/office/powerpoint/2012/main"/>
+    </p:ext>
+  </p:extLst>
 </p:presentation>
 </file>
 
@@ -197,7 +206,7 @@
           <a:p>
             <a:fld id="{C0DFD686-2F45-411B-A8F7-50C4F5F3AA6B}" type="datetimeFigureOut">
               <a:rPr lang="ru-RU" smtClean="0"/>
-              <a:t>07.01.2023</a:t>
+              <a:t>22.01.2023</a:t>
             </a:fld>
             <a:endParaRPr lang="ru-RU"/>
           </a:p>
@@ -548,6 +557,90 @@
 </p:notes>
 </file>
 
+<file path=ppt/notesSlides/notesSlide10.xml><?xml version="1.0" encoding="utf-8"?>
+<p:notes xmlns:a="http://schemas.openxmlformats.org/drawingml/2006/main" xmlns:r="http://schemas.openxmlformats.org/officeDocument/2006/relationships" xmlns:p="http://schemas.openxmlformats.org/presentationml/2006/main">
+  <p:cSld>
+    <p:spTree>
+      <p:nvGrpSpPr>
+        <p:cNvPr id="1" name=""/>
+        <p:cNvGrpSpPr/>
+        <p:nvPr/>
+      </p:nvGrpSpPr>
+      <p:grpSpPr>
+        <a:xfrm>
+          <a:off x="0" y="0"/>
+          <a:ext cx="0" cy="0"/>
+          <a:chOff x="0" y="0"/>
+          <a:chExt cx="0" cy="0"/>
+        </a:xfrm>
+      </p:grpSpPr>
+      <p:sp>
+        <p:nvSpPr>
+          <p:cNvPr id="2" name="Образ слайда 1"/>
+          <p:cNvSpPr>
+            <a:spLocks noGrp="1" noRot="1" noChangeAspect="1"/>
+          </p:cNvSpPr>
+          <p:nvPr>
+            <p:ph type="sldImg"/>
+          </p:nvPr>
+        </p:nvSpPr>
+        <p:spPr/>
+      </p:sp>
+      <p:sp>
+        <p:nvSpPr>
+          <p:cNvPr id="3" name="Заметки 2"/>
+          <p:cNvSpPr>
+            <a:spLocks noGrp="1"/>
+          </p:cNvSpPr>
+          <p:nvPr>
+            <p:ph type="body" idx="1"/>
+          </p:nvPr>
+        </p:nvSpPr>
+        <p:spPr/>
+        <p:txBody>
+          <a:bodyPr/>
+          <a:lstStyle/>
+          <a:p>
+            <a:endParaRPr lang="ru-RU" dirty="0"/>
+          </a:p>
+        </p:txBody>
+      </p:sp>
+      <p:sp>
+        <p:nvSpPr>
+          <p:cNvPr id="4" name="Номер слайда 3"/>
+          <p:cNvSpPr>
+            <a:spLocks noGrp="1"/>
+          </p:cNvSpPr>
+          <p:nvPr>
+            <p:ph type="sldNum" sz="quarter" idx="5"/>
+          </p:nvPr>
+        </p:nvSpPr>
+        <p:spPr/>
+        <p:txBody>
+          <a:bodyPr/>
+          <a:lstStyle/>
+          <a:p>
+            <a:fld id="{54D441EB-F407-4ED4-B7D2-497BAFCB70FE}" type="slidenum">
+              <a:rPr lang="ru-RU" smtClean="0"/>
+              <a:t>10</a:t>
+            </a:fld>
+            <a:endParaRPr lang="ru-RU"/>
+          </a:p>
+        </p:txBody>
+      </p:sp>
+    </p:spTree>
+    <p:extLst>
+      <p:ext uri="{BB962C8B-B14F-4D97-AF65-F5344CB8AC3E}">
+        <p14:creationId xmlns:p14="http://schemas.microsoft.com/office/powerpoint/2010/main" val="1928546964"/>
+      </p:ext>
+    </p:extLst>
+  </p:cSld>
+  <p:clrMapOvr>
+    <a:masterClrMapping/>
+  </p:clrMapOvr>
+</p:notes>
+</file>
+
 <file path=ppt/notesSlides/notesSlide2.xml><?xml version="1.0" encoding="utf-8"?>
 <p:notes xmlns:a="http://schemas.openxmlformats.org/drawingml/2006/main" xmlns:r="http://schemas.openxmlformats.org/officeDocument/2006/relationships" xmlns:p="http://schemas.openxmlformats.org/presentationml/2006/main">
   <p:cSld>
@@ -622,7 +715,7 @@
     </p:spTree>
     <p:extLst>
       <p:ext uri="{BB962C8B-B14F-4D97-AF65-F5344CB8AC3E}">
-        <p14:creationId xmlns:p14="http://schemas.microsoft.com/office/powerpoint/2010/main" val="1482252990"/>
+        <p14:creationId xmlns:p14="http://schemas.microsoft.com/office/powerpoint/2010/main" val="3685079989"/>
       </p:ext>
     </p:extLst>
   </p:cSld>
@@ -706,7 +799,7 @@
     </p:spTree>
     <p:extLst>
       <p:ext uri="{BB962C8B-B14F-4D97-AF65-F5344CB8AC3E}">
-        <p14:creationId xmlns:p14="http://schemas.microsoft.com/office/powerpoint/2010/main" val="1112894956"/>
+        <p14:creationId xmlns:p14="http://schemas.microsoft.com/office/powerpoint/2010/main" val="253592735"/>
       </p:ext>
     </p:extLst>
   </p:cSld>
@@ -790,7 +883,7 @@
     </p:spTree>
     <p:extLst>
       <p:ext uri="{BB962C8B-B14F-4D97-AF65-F5344CB8AC3E}">
-        <p14:creationId xmlns:p14="http://schemas.microsoft.com/office/powerpoint/2010/main" val="1597890446"/>
+        <p14:creationId xmlns:p14="http://schemas.microsoft.com/office/powerpoint/2010/main" val="776985919"/>
       </p:ext>
     </p:extLst>
   </p:cSld>
@@ -874,7 +967,7 @@
     </p:spTree>
     <p:extLst>
       <p:ext uri="{BB962C8B-B14F-4D97-AF65-F5344CB8AC3E}">
-        <p14:creationId xmlns:p14="http://schemas.microsoft.com/office/powerpoint/2010/main" val="3685079989"/>
+        <p14:creationId xmlns:p14="http://schemas.microsoft.com/office/powerpoint/2010/main" val="3751391371"/>
       </p:ext>
     </p:extLst>
   </p:cSld>
@@ -958,7 +1051,259 @@
     </p:spTree>
     <p:extLst>
       <p:ext uri="{BB962C8B-B14F-4D97-AF65-F5344CB8AC3E}">
-        <p14:creationId xmlns:p14="http://schemas.microsoft.com/office/powerpoint/2010/main" val="1928546964"/>
+        <p14:creationId xmlns:p14="http://schemas.microsoft.com/office/powerpoint/2010/main" val="2455470054"/>
+      </p:ext>
+    </p:extLst>
+  </p:cSld>
+  <p:clrMapOvr>
+    <a:masterClrMapping/>
+  </p:clrMapOvr>
+</p:notes>
+</file>
+
+<file path=ppt/notesSlides/notesSlide7.xml><?xml version="1.0" encoding="utf-8"?>
+<p:notes xmlns:a="http://schemas.openxmlformats.org/drawingml/2006/main" xmlns:r="http://schemas.openxmlformats.org/officeDocument/2006/relationships" xmlns:p="http://schemas.openxmlformats.org/presentationml/2006/main">
+  <p:cSld>
+    <p:spTree>
+      <p:nvGrpSpPr>
+        <p:cNvPr id="1" name=""/>
+        <p:cNvGrpSpPr/>
+        <p:nvPr/>
+      </p:nvGrpSpPr>
+      <p:grpSpPr>
+        <a:xfrm>
+          <a:off x="0" y="0"/>
+          <a:ext cx="0" cy="0"/>
+          <a:chOff x="0" y="0"/>
+          <a:chExt cx="0" cy="0"/>
+        </a:xfrm>
+      </p:grpSpPr>
+      <p:sp>
+        <p:nvSpPr>
+          <p:cNvPr id="2" name="Образ слайда 1"/>
+          <p:cNvSpPr>
+            <a:spLocks noGrp="1" noRot="1" noChangeAspect="1"/>
+          </p:cNvSpPr>
+          <p:nvPr>
+            <p:ph type="sldImg"/>
+          </p:nvPr>
+        </p:nvSpPr>
+        <p:spPr/>
+      </p:sp>
+      <p:sp>
+        <p:nvSpPr>
+          <p:cNvPr id="3" name="Заметки 2"/>
+          <p:cNvSpPr>
+            <a:spLocks noGrp="1"/>
+          </p:cNvSpPr>
+          <p:nvPr>
+            <p:ph type="body" idx="1"/>
+          </p:nvPr>
+        </p:nvSpPr>
+        <p:spPr/>
+        <p:txBody>
+          <a:bodyPr/>
+          <a:lstStyle/>
+          <a:p>
+            <a:endParaRPr lang="ru-RU" dirty="0"/>
+          </a:p>
+        </p:txBody>
+      </p:sp>
+      <p:sp>
+        <p:nvSpPr>
+          <p:cNvPr id="4" name="Номер слайда 3"/>
+          <p:cNvSpPr>
+            <a:spLocks noGrp="1"/>
+          </p:cNvSpPr>
+          <p:nvPr>
+            <p:ph type="sldNum" sz="quarter" idx="5"/>
+          </p:nvPr>
+        </p:nvSpPr>
+        <p:spPr/>
+        <p:txBody>
+          <a:bodyPr/>
+          <a:lstStyle/>
+          <a:p>
+            <a:fld id="{54D441EB-F407-4ED4-B7D2-497BAFCB70FE}" type="slidenum">
+              <a:rPr lang="ru-RU" smtClean="0"/>
+              <a:t>7</a:t>
+            </a:fld>
+            <a:endParaRPr lang="ru-RU"/>
+          </a:p>
+        </p:txBody>
+      </p:sp>
+    </p:spTree>
+    <p:extLst>
+      <p:ext uri="{BB962C8B-B14F-4D97-AF65-F5344CB8AC3E}">
+        <p14:creationId xmlns:p14="http://schemas.microsoft.com/office/powerpoint/2010/main" val="1112894956"/>
+      </p:ext>
+    </p:extLst>
+  </p:cSld>
+  <p:clrMapOvr>
+    <a:masterClrMapping/>
+  </p:clrMapOvr>
+</p:notes>
+</file>
+
+<file path=ppt/notesSlides/notesSlide8.xml><?xml version="1.0" encoding="utf-8"?>
+<p:notes xmlns:a="http://schemas.openxmlformats.org/drawingml/2006/main" xmlns:r="http://schemas.openxmlformats.org/officeDocument/2006/relationships" xmlns:p="http://schemas.openxmlformats.org/presentationml/2006/main">
+  <p:cSld>
+    <p:spTree>
+      <p:nvGrpSpPr>
+        <p:cNvPr id="1" name=""/>
+        <p:cNvGrpSpPr/>
+        <p:nvPr/>
+      </p:nvGrpSpPr>
+      <p:grpSpPr>
+        <a:xfrm>
+          <a:off x="0" y="0"/>
+          <a:ext cx="0" cy="0"/>
+          <a:chOff x="0" y="0"/>
+          <a:chExt cx="0" cy="0"/>
+        </a:xfrm>
+      </p:grpSpPr>
+      <p:sp>
+        <p:nvSpPr>
+          <p:cNvPr id="2" name="Образ слайда 1"/>
+          <p:cNvSpPr>
+            <a:spLocks noGrp="1" noRot="1" noChangeAspect="1"/>
+          </p:cNvSpPr>
+          <p:nvPr>
+            <p:ph type="sldImg"/>
+          </p:nvPr>
+        </p:nvSpPr>
+        <p:spPr/>
+      </p:sp>
+      <p:sp>
+        <p:nvSpPr>
+          <p:cNvPr id="3" name="Заметки 2"/>
+          <p:cNvSpPr>
+            <a:spLocks noGrp="1"/>
+          </p:cNvSpPr>
+          <p:nvPr>
+            <p:ph type="body" idx="1"/>
+          </p:nvPr>
+        </p:nvSpPr>
+        <p:spPr/>
+        <p:txBody>
+          <a:bodyPr/>
+          <a:lstStyle/>
+          <a:p>
+            <a:endParaRPr lang="ru-RU" dirty="0"/>
+          </a:p>
+        </p:txBody>
+      </p:sp>
+      <p:sp>
+        <p:nvSpPr>
+          <p:cNvPr id="4" name="Номер слайда 3"/>
+          <p:cNvSpPr>
+            <a:spLocks noGrp="1"/>
+          </p:cNvSpPr>
+          <p:nvPr>
+            <p:ph type="sldNum" sz="quarter" idx="5"/>
+          </p:nvPr>
+        </p:nvSpPr>
+        <p:spPr/>
+        <p:txBody>
+          <a:bodyPr/>
+          <a:lstStyle/>
+          <a:p>
+            <a:fld id="{54D441EB-F407-4ED4-B7D2-497BAFCB70FE}" type="slidenum">
+              <a:rPr lang="ru-RU" smtClean="0"/>
+              <a:t>8</a:t>
+            </a:fld>
+            <a:endParaRPr lang="ru-RU"/>
+          </a:p>
+        </p:txBody>
+      </p:sp>
+    </p:spTree>
+    <p:extLst>
+      <p:ext uri="{BB962C8B-B14F-4D97-AF65-F5344CB8AC3E}">
+        <p14:creationId xmlns:p14="http://schemas.microsoft.com/office/powerpoint/2010/main" val="1597890446"/>
+      </p:ext>
+    </p:extLst>
+  </p:cSld>
+  <p:clrMapOvr>
+    <a:masterClrMapping/>
+  </p:clrMapOvr>
+</p:notes>
+</file>
+
+<file path=ppt/notesSlides/notesSlide9.xml><?xml version="1.0" encoding="utf-8"?>
+<p:notes xmlns:a="http://schemas.openxmlformats.org/drawingml/2006/main" xmlns:r="http://schemas.openxmlformats.org/officeDocument/2006/relationships" xmlns:p="http://schemas.openxmlformats.org/presentationml/2006/main">
+  <p:cSld>
+    <p:spTree>
+      <p:nvGrpSpPr>
+        <p:cNvPr id="1" name=""/>
+        <p:cNvGrpSpPr/>
+        <p:nvPr/>
+      </p:nvGrpSpPr>
+      <p:grpSpPr>
+        <a:xfrm>
+          <a:off x="0" y="0"/>
+          <a:ext cx="0" cy="0"/>
+          <a:chOff x="0" y="0"/>
+          <a:chExt cx="0" cy="0"/>
+        </a:xfrm>
+      </p:grpSpPr>
+      <p:sp>
+        <p:nvSpPr>
+          <p:cNvPr id="2" name="Образ слайда 1"/>
+          <p:cNvSpPr>
+            <a:spLocks noGrp="1" noRot="1" noChangeAspect="1"/>
+          </p:cNvSpPr>
+          <p:nvPr>
+            <p:ph type="sldImg"/>
+          </p:nvPr>
+        </p:nvSpPr>
+        <p:spPr/>
+      </p:sp>
+      <p:sp>
+        <p:nvSpPr>
+          <p:cNvPr id="3" name="Заметки 2"/>
+          <p:cNvSpPr>
+            <a:spLocks noGrp="1"/>
+          </p:cNvSpPr>
+          <p:nvPr>
+            <p:ph type="body" idx="1"/>
+          </p:nvPr>
+        </p:nvSpPr>
+        <p:spPr/>
+        <p:txBody>
+          <a:bodyPr/>
+          <a:lstStyle/>
+          <a:p>
+            <a:endParaRPr lang="ru-RU" dirty="0"/>
+          </a:p>
+        </p:txBody>
+      </p:sp>
+      <p:sp>
+        <p:nvSpPr>
+          <p:cNvPr id="4" name="Номер слайда 3"/>
+          <p:cNvSpPr>
+            <a:spLocks noGrp="1"/>
+          </p:cNvSpPr>
+          <p:nvPr>
+            <p:ph type="sldNum" sz="quarter" idx="5"/>
+          </p:nvPr>
+        </p:nvSpPr>
+        <p:spPr/>
+        <p:txBody>
+          <a:bodyPr/>
+          <a:lstStyle/>
+          <a:p>
+            <a:fld id="{54D441EB-F407-4ED4-B7D2-497BAFCB70FE}" type="slidenum">
+              <a:rPr lang="ru-RU" smtClean="0"/>
+              <a:t>9</a:t>
+            </a:fld>
+            <a:endParaRPr lang="ru-RU"/>
+          </a:p>
+        </p:txBody>
+      </p:sp>
+    </p:spTree>
+    <p:extLst>
+      <p:ext uri="{BB962C8B-B14F-4D97-AF65-F5344CB8AC3E}">
+        <p14:creationId xmlns:p14="http://schemas.microsoft.com/office/powerpoint/2010/main" val="4171199112"/>
       </p:ext>
     </p:extLst>
   </p:cSld>
@@ -1115,7 +1460,7 @@
           <a:p>
             <a:fld id="{574B564E-49BC-45E3-878D-53156DFA855E}" type="datetimeFigureOut">
               <a:rPr lang="ru-RU" smtClean="0"/>
-              <a:t>07.01.2023</a:t>
+              <a:t>22.01.2023</a:t>
             </a:fld>
             <a:endParaRPr lang="ru-RU"/>
           </a:p>
@@ -1313,7 +1658,7 @@
           <a:p>
             <a:fld id="{574B564E-49BC-45E3-878D-53156DFA855E}" type="datetimeFigureOut">
               <a:rPr lang="ru-RU" smtClean="0"/>
-              <a:t>07.01.2023</a:t>
+              <a:t>22.01.2023</a:t>
             </a:fld>
             <a:endParaRPr lang="ru-RU"/>
           </a:p>
@@ -1521,7 +1866,7 @@
           <a:p>
             <a:fld id="{574B564E-49BC-45E3-878D-53156DFA855E}" type="datetimeFigureOut">
               <a:rPr lang="ru-RU" smtClean="0"/>
-              <a:t>07.01.2023</a:t>
+              <a:t>22.01.2023</a:t>
             </a:fld>
             <a:endParaRPr lang="ru-RU"/>
           </a:p>
@@ -1719,7 +2064,7 @@
           <a:p>
             <a:fld id="{574B564E-49BC-45E3-878D-53156DFA855E}" type="datetimeFigureOut">
               <a:rPr lang="ru-RU" smtClean="0"/>
-              <a:t>07.01.2023</a:t>
+              <a:t>22.01.2023</a:t>
             </a:fld>
             <a:endParaRPr lang="ru-RU"/>
           </a:p>
@@ -1994,7 +2339,7 @@
           <a:p>
             <a:fld id="{574B564E-49BC-45E3-878D-53156DFA855E}" type="datetimeFigureOut">
               <a:rPr lang="ru-RU" smtClean="0"/>
-              <a:t>07.01.2023</a:t>
+              <a:t>22.01.2023</a:t>
             </a:fld>
             <a:endParaRPr lang="ru-RU"/>
           </a:p>
@@ -2259,7 +2604,7 @@
           <a:p>
             <a:fld id="{574B564E-49BC-45E3-878D-53156DFA855E}" type="datetimeFigureOut">
               <a:rPr lang="ru-RU" smtClean="0"/>
-              <a:t>07.01.2023</a:t>
+              <a:t>22.01.2023</a:t>
             </a:fld>
             <a:endParaRPr lang="ru-RU"/>
           </a:p>
@@ -2671,7 +3016,7 @@
           <a:p>
             <a:fld id="{574B564E-49BC-45E3-878D-53156DFA855E}" type="datetimeFigureOut">
               <a:rPr lang="ru-RU" smtClean="0"/>
-              <a:t>07.01.2023</a:t>
+              <a:t>22.01.2023</a:t>
             </a:fld>
             <a:endParaRPr lang="ru-RU"/>
           </a:p>
@@ -2812,7 +3157,7 @@
           <a:p>
             <a:fld id="{574B564E-49BC-45E3-878D-53156DFA855E}" type="datetimeFigureOut">
               <a:rPr lang="ru-RU" smtClean="0"/>
-              <a:t>07.01.2023</a:t>
+              <a:t>22.01.2023</a:t>
             </a:fld>
             <a:endParaRPr lang="ru-RU"/>
           </a:p>
@@ -2925,7 +3270,7 @@
           <a:p>
             <a:fld id="{574B564E-49BC-45E3-878D-53156DFA855E}" type="datetimeFigureOut">
               <a:rPr lang="ru-RU" smtClean="0"/>
-              <a:t>07.01.2023</a:t>
+              <a:t>22.01.2023</a:t>
             </a:fld>
             <a:endParaRPr lang="ru-RU"/>
           </a:p>
@@ -3236,7 +3581,7 @@
           <a:p>
             <a:fld id="{574B564E-49BC-45E3-878D-53156DFA855E}" type="datetimeFigureOut">
               <a:rPr lang="ru-RU" smtClean="0"/>
-              <a:t>07.01.2023</a:t>
+              <a:t>22.01.2023</a:t>
             </a:fld>
             <a:endParaRPr lang="ru-RU"/>
           </a:p>
@@ -3524,7 +3869,7 @@
           <a:p>
             <a:fld id="{574B564E-49BC-45E3-878D-53156DFA855E}" type="datetimeFigureOut">
               <a:rPr lang="ru-RU" smtClean="0"/>
-              <a:t>07.01.2023</a:t>
+              <a:t>22.01.2023</a:t>
             </a:fld>
             <a:endParaRPr lang="ru-RU"/>
           </a:p>
@@ -3765,7 +4110,7 @@
           <a:p>
             <a:fld id="{574B564E-49BC-45E3-878D-53156DFA855E}" type="datetimeFigureOut">
               <a:rPr lang="ru-RU" smtClean="0"/>
-              <a:t>07.01.2023</a:t>
+              <a:t>22.01.2023</a:t>
             </a:fld>
             <a:endParaRPr lang="ru-RU"/>
           </a:p>
@@ -4233,7 +4578,7 @@
           </a:prstGeom>
           <a:solidFill>
             <a:schemeClr val="tx1">
-              <a:alpha val="70000"/>
+              <a:alpha val="82000"/>
             </a:schemeClr>
           </a:solidFill>
           <a:ln>
@@ -4313,7 +4658,7 @@
         <p:spPr>
           <a:xfrm>
             <a:off x="2011362" y="2921168"/>
-            <a:ext cx="8169275" cy="1015663"/>
+            <a:ext cx="8169275" cy="1938992"/>
           </a:xfrm>
           <a:prstGeom prst="rect">
             <a:avLst/>
@@ -4328,13 +4673,31 @@
           <a:p>
             <a:pPr algn="ctr"/>
             <a:r>
-              <a:rPr lang="ru-RU" sz="6000" dirty="0">
-                <a:solidFill>
-                  <a:schemeClr val="bg1"/>
-                </a:solidFill>
-                <a:latin typeface="Franklin Gothic Book" panose="020B0503020102020204" pitchFamily="34" charset="0"/>
-              </a:rPr>
-              <a:t>2Д </a:t>
+              <a:rPr lang="ru-RU" sz="6000" dirty="0" smtClean="0">
+                <a:solidFill>
+                  <a:schemeClr val="bg1"/>
+                </a:solidFill>
+                <a:latin typeface="Franklin Gothic Book" panose="020B0503020102020204" pitchFamily="34" charset="0"/>
+              </a:rPr>
+              <a:t>2</a:t>
+            </a:r>
+            <a:r>
+              <a:rPr lang="en-US" sz="6000" dirty="0" smtClean="0">
+                <a:solidFill>
+                  <a:schemeClr val="bg1"/>
+                </a:solidFill>
+                <a:latin typeface="Franklin Gothic Book" panose="020B0503020102020204" pitchFamily="34" charset="0"/>
+              </a:rPr>
+              <a:t>D</a:t>
+            </a:r>
+            <a:r>
+              <a:rPr lang="ru-RU" sz="6000" dirty="0" smtClean="0">
+                <a:solidFill>
+                  <a:schemeClr val="bg1"/>
+                </a:solidFill>
+                <a:latin typeface="Franklin Gothic Book" panose="020B0503020102020204" pitchFamily="34" charset="0"/>
+              </a:rPr>
+              <a:t> </a:t>
             </a:r>
             <a:r>
               <a:rPr lang="en-US" sz="6000" dirty="0">
@@ -4382,6 +4745,237 @@
   <p:clrMapOvr>
     <a:masterClrMapping/>
   </p:clrMapOvr>
+  <p:timing>
+    <p:tnLst>
+      <p:par>
+        <p:cTn id="1" dur="indefinite" restart="never" nodeType="tmRoot"/>
+      </p:par>
+    </p:tnLst>
+  </p:timing>
+</p:sld>
+</file>
+
+<file path=ppt/slides/slide10.xml><?xml version="1.0" encoding="utf-8"?>
+<p:sld xmlns:a="http://schemas.openxmlformats.org/drawingml/2006/main" xmlns:r="http://schemas.openxmlformats.org/officeDocument/2006/relationships" xmlns:p="http://schemas.openxmlformats.org/presentationml/2006/main">
+  <p:cSld>
+    <p:spTree>
+      <p:nvGrpSpPr>
+        <p:cNvPr id="1" name=""/>
+        <p:cNvGrpSpPr/>
+        <p:nvPr/>
+      </p:nvGrpSpPr>
+      <p:grpSpPr>
+        <a:xfrm>
+          <a:off x="0" y="0"/>
+          <a:ext cx="0" cy="0"/>
+          <a:chOff x="0" y="0"/>
+          <a:chExt cx="0" cy="0"/>
+        </a:xfrm>
+      </p:grpSpPr>
+      <p:pic>
+        <p:nvPicPr>
+          <p:cNvPr id="6" name="Рисунок 5">
+            <a:extLst>
+              <a:ext uri="{FF2B5EF4-FFF2-40B4-BE49-F238E27FC236}">
+                <a16:creationId xmlns:a16="http://schemas.microsoft.com/office/drawing/2014/main" id="{541D5B67-F774-423E-B1B7-6B999BC9E5F0}"/>
+              </a:ext>
+            </a:extLst>
+          </p:cNvPr>
+          <p:cNvPicPr>
+            <a:picLocks noChangeAspect="1"/>
+          </p:cNvPicPr>
+          <p:nvPr/>
+        </p:nvPicPr>
+        <p:blipFill rotWithShape="1">
+          <a:blip r:embed="rId3"/>
+          <a:srcRect t="1746"/>
+          <a:stretch/>
+        </p:blipFill>
+        <p:spPr>
+          <a:xfrm>
+            <a:off x="0" y="-128716"/>
+            <a:ext cx="12192000" cy="6986716"/>
+          </a:xfrm>
+          <a:prstGeom prst="rect">
+            <a:avLst/>
+          </a:prstGeom>
+        </p:spPr>
+      </p:pic>
+      <p:sp>
+        <p:nvSpPr>
+          <p:cNvPr id="7" name="Прямоугольник 6" title="Наложенное изображение">
+            <a:extLst>
+              <a:ext uri="{FF2B5EF4-FFF2-40B4-BE49-F238E27FC236}">
+                <a16:creationId xmlns:a16="http://schemas.microsoft.com/office/drawing/2014/main" id="{AED0AEC6-3FE2-45B8-85B6-45264283DBF4}"/>
+              </a:ext>
+            </a:extLst>
+          </p:cNvPr>
+          <p:cNvSpPr/>
+          <p:nvPr/>
+        </p:nvSpPr>
+        <p:spPr bwMode="ltGray">
+          <a:xfrm>
+            <a:off x="133350" y="80588"/>
+            <a:ext cx="11925300" cy="6574212"/>
+          </a:xfrm>
+          <a:prstGeom prst="rect">
+            <a:avLst/>
+          </a:prstGeom>
+          <a:solidFill>
+            <a:schemeClr val="tx1">
+              <a:alpha val="82000"/>
+            </a:schemeClr>
+          </a:solidFill>
+          <a:ln>
+            <a:noFill/>
+          </a:ln>
+        </p:spPr>
+        <p:style>
+          <a:lnRef idx="2">
+            <a:schemeClr val="accent1">
+              <a:shade val="50000"/>
+            </a:schemeClr>
+          </a:lnRef>
+          <a:fillRef idx="1">
+            <a:schemeClr val="accent1"/>
+          </a:fillRef>
+          <a:effectRef idx="0">
+            <a:schemeClr val="accent1"/>
+          </a:effectRef>
+          <a:fontRef idx="minor">
+            <a:schemeClr val="lt1"/>
+          </a:fontRef>
+        </p:style>
+        <p:txBody>
+          <a:bodyPr rtlCol="0" anchor="ctr"/>
+          <a:lstStyle/>
+          <a:p>
+            <a:pPr marL="285750" indent="-285750" algn="ctr" rtl="0">
+              <a:buFont typeface="Arial" panose="020B0604020202020204" pitchFamily="34" charset="0"/>
+              <a:buChar char="•"/>
+            </a:pPr>
+            <a:endParaRPr lang="ru-RU" dirty="0"/>
+          </a:p>
+        </p:txBody>
+      </p:sp>
+      <p:sp>
+        <p:nvSpPr>
+          <p:cNvPr id="8" name="TextBox 7">
+            <a:extLst>
+              <a:ext uri="{FF2B5EF4-FFF2-40B4-BE49-F238E27FC236}">
+                <a16:creationId xmlns:a16="http://schemas.microsoft.com/office/drawing/2014/main" id="{25271DDC-02D1-4DA1-8A9F-B57FF34DDD70}"/>
+              </a:ext>
+            </a:extLst>
+          </p:cNvPr>
+          <p:cNvSpPr txBox="1"/>
+          <p:nvPr/>
+        </p:nvSpPr>
+        <p:spPr>
+          <a:xfrm>
+            <a:off x="2537177" y="437638"/>
+            <a:ext cx="7117645" cy="923330"/>
+          </a:xfrm>
+          <a:prstGeom prst="rect">
+            <a:avLst/>
+          </a:prstGeom>
+          <a:noFill/>
+        </p:spPr>
+        <p:txBody>
+          <a:bodyPr wrap="square" rtlCol="0">
+            <a:spAutoFit/>
+          </a:bodyPr>
+          <a:lstStyle/>
+          <a:p>
+            <a:pPr algn="ctr"/>
+            <a:r>
+              <a:rPr lang="ru-RU" sz="5400" dirty="0">
+                <a:solidFill>
+                  <a:schemeClr val="bg1"/>
+                </a:solidFill>
+                <a:latin typeface="Franklin Gothic Book" panose="020B0503020102020204" pitchFamily="34" charset="0"/>
+              </a:rPr>
+              <a:t>Спасибо за внимание!</a:t>
+            </a:r>
+          </a:p>
+        </p:txBody>
+      </p:sp>
+      <p:pic>
+        <p:nvPicPr>
+          <p:cNvPr id="2" name="Рисунок 1">
+            <a:extLst>
+              <a:ext uri="{FF2B5EF4-FFF2-40B4-BE49-F238E27FC236}">
+                <a16:creationId xmlns:a16="http://schemas.microsoft.com/office/drawing/2014/main" id="{E790B997-F54C-4564-9C6F-27549CA06D8A}"/>
+              </a:ext>
+            </a:extLst>
+          </p:cNvPr>
+          <p:cNvPicPr>
+            <a:picLocks noChangeAspect="1"/>
+          </p:cNvPicPr>
+          <p:nvPr/>
+        </p:nvPicPr>
+        <p:blipFill>
+          <a:blip r:embed="rId4"/>
+          <a:stretch>
+            <a:fillRect/>
+          </a:stretch>
+        </p:blipFill>
+        <p:spPr>
+          <a:xfrm>
+            <a:off x="2777067" y="2153810"/>
+            <a:ext cx="3870417" cy="2885220"/>
+          </a:xfrm>
+          <a:prstGeom prst="rect">
+            <a:avLst/>
+          </a:prstGeom>
+        </p:spPr>
+      </p:pic>
+      <p:pic>
+        <p:nvPicPr>
+          <p:cNvPr id="3" name="Рисунок 2">
+            <a:extLst>
+              <a:ext uri="{FF2B5EF4-FFF2-40B4-BE49-F238E27FC236}">
+                <a16:creationId xmlns:a16="http://schemas.microsoft.com/office/drawing/2014/main" id="{D6EB20A6-E903-4D5D-893A-F9D8A9EECA86}"/>
+              </a:ext>
+            </a:extLst>
+          </p:cNvPr>
+          <p:cNvPicPr>
+            <a:picLocks noChangeAspect="1"/>
+          </p:cNvPicPr>
+          <p:nvPr/>
+        </p:nvPicPr>
+        <p:blipFill>
+          <a:blip r:embed="rId5"/>
+          <a:stretch>
+            <a:fillRect/>
+          </a:stretch>
+        </p:blipFill>
+        <p:spPr>
+          <a:xfrm>
+            <a:off x="7288741" y="3512710"/>
+            <a:ext cx="1621716" cy="1526320"/>
+          </a:xfrm>
+          <a:prstGeom prst="rect">
+            <a:avLst/>
+          </a:prstGeom>
+        </p:spPr>
+      </p:pic>
+    </p:spTree>
+    <p:extLst>
+      <p:ext uri="{BB962C8B-B14F-4D97-AF65-F5344CB8AC3E}">
+        <p14:creationId xmlns:p14="http://schemas.microsoft.com/office/powerpoint/2010/main" val="1738206566"/>
+      </p:ext>
+    </p:extLst>
+  </p:cSld>
+  <p:clrMapOvr>
+    <a:masterClrMapping/>
+  </p:clrMapOvr>
+  <p:timing>
+    <p:tnLst>
+      <p:par>
+        <p:cTn id="1" dur="indefinite" restart="never" nodeType="tmRoot"/>
+      </p:par>
+    </p:tnLst>
+  </p:timing>
 </p:sld>
 </file>
 
@@ -4453,7 +5047,7 @@
           </a:prstGeom>
           <a:solidFill>
             <a:schemeClr val="tx1">
-              <a:alpha val="70000"/>
+              <a:alpha val="82000"/>
             </a:schemeClr>
           </a:solidFill>
           <a:ln>
@@ -4490,10 +5084,10 @@
       </p:sp>
       <p:sp>
         <p:nvSpPr>
-          <p:cNvPr id="10" name="TextBox 9">
-            <a:extLst>
-              <a:ext uri="{FF2B5EF4-FFF2-40B4-BE49-F238E27FC236}">
-                <a16:creationId xmlns:a16="http://schemas.microsoft.com/office/drawing/2014/main" id="{9CADE52E-F01C-40BD-94E0-2CB73CC4ACAC}"/>
+          <p:cNvPr id="8" name="TextBox 7">
+            <a:extLst>
+              <a:ext uri="{FF2B5EF4-FFF2-40B4-BE49-F238E27FC236}">
+                <a16:creationId xmlns:a16="http://schemas.microsoft.com/office/drawing/2014/main" id="{25271DDC-02D1-4DA1-8A9F-B57FF34DDD70}"/>
               </a:ext>
             </a:extLst>
           </p:cNvPr>
@@ -4502,8 +5096,8 @@
         </p:nvSpPr>
         <p:spPr>
           <a:xfrm>
-            <a:off x="1447799" y="406400"/>
-            <a:ext cx="5593645" cy="830997"/>
+            <a:off x="4295421" y="406400"/>
+            <a:ext cx="4038953" cy="830997"/>
           </a:xfrm>
           <a:prstGeom prst="rect">
             <a:avLst/>
@@ -4518,23 +5112,29 @@
           <a:p>
             <a:pPr algn="ctr"/>
             <a:r>
-              <a:rPr lang="ru-RU" sz="4800" dirty="0">
-                <a:solidFill>
-                  <a:schemeClr val="bg1"/>
-                </a:solidFill>
-                <a:latin typeface="Franklin Gothic Book" panose="020B0503020102020204" pitchFamily="34" charset="0"/>
-              </a:rPr>
-              <a:t>Жанр</a:t>
-            </a:r>
-          </a:p>
-        </p:txBody>
-      </p:sp>
-      <p:sp>
-        <p:nvSpPr>
-          <p:cNvPr id="2" name="TextBox 1">
-            <a:extLst>
-              <a:ext uri="{FF2B5EF4-FFF2-40B4-BE49-F238E27FC236}">
-                <a16:creationId xmlns:a16="http://schemas.microsoft.com/office/drawing/2014/main" id="{9CA3043D-08FA-4512-8A34-9C7B3E6AFB04}"/>
+              <a:rPr lang="ru-RU" sz="4800" dirty="0" smtClean="0">
+                <a:solidFill>
+                  <a:schemeClr val="bg1"/>
+                </a:solidFill>
+                <a:latin typeface="Franklin Gothic Book" panose="020B0503020102020204" pitchFamily="34" charset="0"/>
+              </a:rPr>
+              <a:t>Цели и задачи</a:t>
+            </a:r>
+            <a:endParaRPr lang="ru-RU" sz="4800" dirty="0">
+              <a:solidFill>
+                <a:schemeClr val="bg1"/>
+              </a:solidFill>
+              <a:latin typeface="Franklin Gothic Book" panose="020B0503020102020204" pitchFamily="34" charset="0"/>
+            </a:endParaRPr>
+          </a:p>
+        </p:txBody>
+      </p:sp>
+      <p:sp>
+        <p:nvSpPr>
+          <p:cNvPr id="9" name="TextBox 8">
+            <a:extLst>
+              <a:ext uri="{FF2B5EF4-FFF2-40B4-BE49-F238E27FC236}">
+                <a16:creationId xmlns:a16="http://schemas.microsoft.com/office/drawing/2014/main" id="{2882DF71-C85A-41F1-9A8F-2565DB5D175E}"/>
               </a:ext>
             </a:extLst>
           </p:cNvPr>
@@ -4543,8 +5143,8 @@
         </p:nvSpPr>
         <p:spPr>
           <a:xfrm>
-            <a:off x="1038577" y="1237397"/>
-            <a:ext cx="6412090" cy="4278094"/>
+            <a:off x="1004711" y="1563209"/>
+            <a:ext cx="10182578" cy="4939814"/>
           </a:xfrm>
           <a:prstGeom prst="rect">
             <a:avLst/>
@@ -4559,172 +5159,208 @@
           <a:p>
             <a:pPr algn="just"/>
             <a:r>
-              <a:rPr lang="ru-RU" sz="3400" dirty="0">
-                <a:solidFill>
-                  <a:schemeClr val="bg1"/>
-                </a:solidFill>
-                <a:latin typeface="Franklin Gothic Book" panose="020B0503020102020204" pitchFamily="34" charset="0"/>
-              </a:rPr>
-              <a:t>Игра сделана в стиле Roguelike. Это значит, что после смерти персонажа игра начинается заново</a:t>
-            </a:r>
-            <a:r>
-              <a:rPr lang="en-US" sz="3400" dirty="0">
-                <a:solidFill>
-                  <a:schemeClr val="bg1"/>
-                </a:solidFill>
-                <a:latin typeface="Franklin Gothic Book" panose="020B0503020102020204" pitchFamily="34" charset="0"/>
-              </a:rPr>
-              <a:t>, </a:t>
-            </a:r>
-            <a:r>
-              <a:rPr lang="ru-RU" sz="3400" dirty="0">
-                <a:solidFill>
-                  <a:schemeClr val="bg1"/>
-                </a:solidFill>
-                <a:latin typeface="Franklin Gothic Book" panose="020B0503020102020204" pitchFamily="34" charset="0"/>
-              </a:rPr>
-              <a:t>никаких сохранений нет. Таких игр очень много. Наиболее известными являются</a:t>
-            </a:r>
-            <a:r>
-              <a:rPr lang="en-US" sz="3400" dirty="0">
-                <a:solidFill>
-                  <a:schemeClr val="bg1"/>
-                </a:solidFill>
-                <a:latin typeface="Franklin Gothic Book" panose="020B0503020102020204" pitchFamily="34" charset="0"/>
-              </a:rPr>
-              <a:t> Dead Cells </a:t>
-            </a:r>
-            <a:r>
-              <a:rPr lang="ru-RU" sz="3400" dirty="0">
-                <a:solidFill>
-                  <a:schemeClr val="bg1"/>
-                </a:solidFill>
-                <a:latin typeface="Franklin Gothic Book" panose="020B0503020102020204" pitchFamily="34" charset="0"/>
-              </a:rPr>
-              <a:t>и </a:t>
-            </a:r>
-            <a:r>
-              <a:rPr lang="en-US" sz="3400" dirty="0">
-                <a:solidFill>
-                  <a:schemeClr val="bg1"/>
-                </a:solidFill>
-                <a:latin typeface="Franklin Gothic Book" panose="020B0503020102020204" pitchFamily="34" charset="0"/>
-              </a:rPr>
-              <a:t>Soul Knight.</a:t>
-            </a:r>
-            <a:endParaRPr lang="ru-RU" sz="3400" dirty="0">
+              <a:rPr lang="ru-RU" sz="3500" dirty="0" smtClean="0">
+                <a:solidFill>
+                  <a:schemeClr val="bg1"/>
+                </a:solidFill>
+                <a:latin typeface="Franklin Gothic Book" panose="020B0503020102020204" pitchFamily="34" charset="0"/>
+              </a:rPr>
+              <a:t>Цель</a:t>
+            </a:r>
+            <a:r>
+              <a:rPr lang="en-US" sz="3500" dirty="0" smtClean="0">
+                <a:solidFill>
+                  <a:schemeClr val="bg1"/>
+                </a:solidFill>
+                <a:latin typeface="Franklin Gothic Book" panose="020B0503020102020204" pitchFamily="34" charset="0"/>
+              </a:rPr>
+              <a:t>: </a:t>
+            </a:r>
+            <a:r>
+              <a:rPr lang="ru-RU" sz="3500" dirty="0" smtClean="0">
+                <a:solidFill>
+                  <a:schemeClr val="bg1"/>
+                </a:solidFill>
+                <a:latin typeface="Franklin Gothic Book" panose="020B0503020102020204" pitchFamily="34" charset="0"/>
+              </a:rPr>
+              <a:t>создание 2</a:t>
+            </a:r>
+            <a:r>
+              <a:rPr lang="en-US" sz="3500" dirty="0" smtClean="0">
+                <a:solidFill>
+                  <a:schemeClr val="bg1"/>
+                </a:solidFill>
+                <a:latin typeface="Franklin Gothic Book" panose="020B0503020102020204" pitchFamily="34" charset="0"/>
+              </a:rPr>
+              <a:t>D </a:t>
+            </a:r>
+            <a:r>
+              <a:rPr lang="ru-RU" sz="3500" dirty="0" smtClean="0">
+                <a:solidFill>
+                  <a:schemeClr val="bg1"/>
+                </a:solidFill>
+                <a:latin typeface="Franklin Gothic Book" panose="020B0503020102020204" pitchFamily="34" charset="0"/>
+              </a:rPr>
+              <a:t>игры в жанре </a:t>
+            </a:r>
+            <a:r>
+              <a:rPr lang="en-US" sz="3500" dirty="0" smtClean="0">
+                <a:solidFill>
+                  <a:schemeClr val="bg1"/>
+                </a:solidFill>
+                <a:latin typeface="Franklin Gothic Book" panose="020B0503020102020204" pitchFamily="34" charset="0"/>
+              </a:rPr>
+              <a:t>Roguelike</a:t>
+            </a:r>
+          </a:p>
+          <a:p>
+            <a:pPr algn="just"/>
+            <a:endParaRPr lang="en-US" sz="3500" dirty="0" smtClean="0">
               <a:solidFill>
                 <a:schemeClr val="bg1"/>
               </a:solidFill>
               <a:latin typeface="Franklin Gothic Book" panose="020B0503020102020204" pitchFamily="34" charset="0"/>
             </a:endParaRPr>
           </a:p>
-        </p:txBody>
-      </p:sp>
-      <p:pic>
-        <p:nvPicPr>
-          <p:cNvPr id="1030" name="Picture 6" descr="https://static.wikia.nocookie.net/deadcells_gamepedia_en/images/f/f7/Dead_Cells_Soundtrack.jpg/revision/latest?cb=20201216161036">
-            <a:extLst>
-              <a:ext uri="{FF2B5EF4-FFF2-40B4-BE49-F238E27FC236}">
-                <a16:creationId xmlns:a16="http://schemas.microsoft.com/office/drawing/2014/main" id="{383F2FA6-43CC-4EB9-B5E0-AAF95C726235}"/>
-              </a:ext>
-            </a:extLst>
-          </p:cNvPr>
-          <p:cNvPicPr>
-            <a:picLocks noChangeAspect="1" noChangeArrowheads="1"/>
-          </p:cNvPicPr>
-          <p:nvPr/>
-        </p:nvPicPr>
-        <p:blipFill>
-          <a:blip r:embed="rId4">
-            <a:extLst>
-              <a:ext uri="{28A0092B-C50C-407E-A947-70E740481C1C}">
-                <a14:useLocalDpi xmlns:a14="http://schemas.microsoft.com/office/drawing/2010/main" val="0"/>
-              </a:ext>
-            </a:extLst>
-          </a:blip>
-          <a:srcRect/>
-          <a:stretch>
-            <a:fillRect/>
-          </a:stretch>
-        </p:blipFill>
-        <p:spPr bwMode="auto">
-          <a:xfrm>
-            <a:off x="8241520" y="517098"/>
-            <a:ext cx="2911902" cy="2911902"/>
-          </a:xfrm>
-          <a:prstGeom prst="rect">
-            <a:avLst/>
-          </a:prstGeom>
-          <a:noFill/>
-          <a:extLst>
-            <a:ext uri="{909E8E84-426E-40DD-AFC4-6F175D3DCCD1}">
-              <a14:hiddenFill xmlns:a14="http://schemas.microsoft.com/office/drawing/2010/main">
-                <a:solidFill>
-                  <a:srgbClr val="FFFFFF"/>
-                </a:solidFill>
-              </a14:hiddenFill>
-            </a:ext>
-          </a:extLst>
-        </p:spPr>
-      </p:pic>
-      <p:pic>
-        <p:nvPicPr>
-          <p:cNvPr id="1032" name="Picture 8" descr="https://static6.tgcnt.ru/posts/_0/c0/c0485c0acc554f4772e1c763f3d3caca.jpg">
-            <a:extLst>
-              <a:ext uri="{FF2B5EF4-FFF2-40B4-BE49-F238E27FC236}">
-                <a16:creationId xmlns:a16="http://schemas.microsoft.com/office/drawing/2014/main" id="{45744248-D25E-412E-A915-8DD12B2C868A}"/>
-              </a:ext>
-            </a:extLst>
-          </p:cNvPr>
-          <p:cNvPicPr>
-            <a:picLocks noChangeAspect="1" noChangeArrowheads="1"/>
-          </p:cNvPicPr>
-          <p:nvPr/>
-        </p:nvPicPr>
-        <p:blipFill>
-          <a:blip r:embed="rId5">
-            <a:extLst>
-              <a:ext uri="{28A0092B-C50C-407E-A947-70E740481C1C}">
-                <a14:useLocalDpi xmlns:a14="http://schemas.microsoft.com/office/drawing/2010/main" val="0"/>
-              </a:ext>
-            </a:extLst>
-          </a:blip>
-          <a:srcRect/>
-          <a:stretch>
-            <a:fillRect/>
-          </a:stretch>
-        </p:blipFill>
-        <p:spPr bwMode="auto">
-          <a:xfrm>
-            <a:off x="8241520" y="3539697"/>
-            <a:ext cx="2911903" cy="2911903"/>
-          </a:xfrm>
-          <a:prstGeom prst="rect">
-            <a:avLst/>
-          </a:prstGeom>
-          <a:noFill/>
-          <a:extLst>
-            <a:ext uri="{909E8E84-426E-40DD-AFC4-6F175D3DCCD1}">
-              <a14:hiddenFill xmlns:a14="http://schemas.microsoft.com/office/drawing/2010/main">
-                <a:solidFill>
-                  <a:srgbClr val="FFFFFF"/>
-                </a:solidFill>
-              </a14:hiddenFill>
-            </a:ext>
-          </a:extLst>
-        </p:spPr>
-      </p:pic>
+          <a:p>
+            <a:pPr algn="just"/>
+            <a:r>
+              <a:rPr lang="ru-RU" sz="3500" dirty="0" smtClean="0">
+                <a:solidFill>
+                  <a:schemeClr val="bg1"/>
+                </a:solidFill>
+                <a:latin typeface="Franklin Gothic Book" panose="020B0503020102020204" pitchFamily="34" charset="0"/>
+              </a:rPr>
+              <a:t>Задачи</a:t>
+            </a:r>
+            <a:r>
+              <a:rPr lang="en-US" sz="3500" dirty="0" smtClean="0">
+                <a:solidFill>
+                  <a:schemeClr val="bg1"/>
+                </a:solidFill>
+                <a:latin typeface="Franklin Gothic Book" panose="020B0503020102020204" pitchFamily="34" charset="0"/>
+              </a:rPr>
+              <a:t>:</a:t>
+            </a:r>
+            <a:endParaRPr lang="ru-RU" sz="3500" dirty="0" smtClean="0">
+              <a:solidFill>
+                <a:schemeClr val="bg1"/>
+              </a:solidFill>
+              <a:latin typeface="Franklin Gothic Book" panose="020B0503020102020204" pitchFamily="34" charset="0"/>
+            </a:endParaRPr>
+          </a:p>
+          <a:p>
+            <a:pPr marL="457200" indent="-457200" algn="just">
+              <a:buFont typeface="Arial" panose="020B0604020202020204" pitchFamily="34" charset="0"/>
+              <a:buChar char="•"/>
+            </a:pPr>
+            <a:r>
+              <a:rPr lang="ru-RU" sz="3500" dirty="0" smtClean="0">
+                <a:solidFill>
+                  <a:schemeClr val="bg1"/>
+                </a:solidFill>
+                <a:latin typeface="Franklin Gothic Book" panose="020B0503020102020204" pitchFamily="34" charset="0"/>
+              </a:rPr>
+              <a:t>Выбор спрайтов</a:t>
+            </a:r>
+          </a:p>
+          <a:p>
+            <a:pPr marL="457200" indent="-457200" algn="just">
+              <a:buFont typeface="Arial" panose="020B0604020202020204" pitchFamily="34" charset="0"/>
+              <a:buChar char="•"/>
+            </a:pPr>
+            <a:r>
+              <a:rPr lang="ru-RU" sz="3500" dirty="0">
+                <a:solidFill>
+                  <a:schemeClr val="bg1"/>
+                </a:solidFill>
+                <a:latin typeface="Franklin Gothic Book" panose="020B0503020102020204" pitchFamily="34" charset="0"/>
+              </a:rPr>
+              <a:t>Создание </a:t>
+            </a:r>
+            <a:r>
+              <a:rPr lang="ru-RU" sz="3500" dirty="0" smtClean="0">
+                <a:solidFill>
+                  <a:schemeClr val="bg1"/>
+                </a:solidFill>
+                <a:latin typeface="Franklin Gothic Book" panose="020B0503020102020204" pitchFamily="34" charset="0"/>
+              </a:rPr>
+              <a:t>карт</a:t>
+            </a:r>
+            <a:endParaRPr lang="en-US" sz="3500" dirty="0" smtClean="0">
+              <a:solidFill>
+                <a:schemeClr val="bg1"/>
+              </a:solidFill>
+              <a:latin typeface="Franklin Gothic Book" panose="020B0503020102020204" pitchFamily="34" charset="0"/>
+            </a:endParaRPr>
+          </a:p>
+          <a:p>
+            <a:pPr marL="457200" indent="-457200" algn="just">
+              <a:buFont typeface="Arial" panose="020B0604020202020204" pitchFamily="34" charset="0"/>
+              <a:buChar char="•"/>
+            </a:pPr>
+            <a:r>
+              <a:rPr lang="ru-RU" sz="3500" dirty="0" smtClean="0">
+                <a:solidFill>
+                  <a:schemeClr val="bg1"/>
+                </a:solidFill>
+                <a:latin typeface="Franklin Gothic Book" panose="020B0503020102020204" pitchFamily="34" charset="0"/>
+              </a:rPr>
+              <a:t>Создание архитектуры и логики игры</a:t>
+            </a:r>
+          </a:p>
+          <a:p>
+            <a:pPr algn="just"/>
+            <a:endParaRPr lang="ru-RU" sz="3500" dirty="0" smtClean="0">
+              <a:solidFill>
+                <a:schemeClr val="bg1"/>
+              </a:solidFill>
+              <a:latin typeface="Franklin Gothic Book" panose="020B0503020102020204" pitchFamily="34" charset="0"/>
+            </a:endParaRPr>
+          </a:p>
+          <a:p>
+            <a:pPr marL="457200" indent="-457200" algn="just">
+              <a:buFont typeface="Arial" panose="020B0604020202020204" pitchFamily="34" charset="0"/>
+              <a:buChar char="•"/>
+            </a:pPr>
+            <a:endParaRPr lang="ru-RU" sz="3500" dirty="0" smtClean="0">
+              <a:solidFill>
+                <a:schemeClr val="bg1"/>
+              </a:solidFill>
+              <a:latin typeface="Franklin Gothic Book" panose="020B0503020102020204" pitchFamily="34" charset="0"/>
+            </a:endParaRPr>
+          </a:p>
+          <a:p>
+            <a:pPr marL="457200" indent="-457200" algn="just">
+              <a:buFont typeface="Arial" panose="020B0604020202020204" pitchFamily="34" charset="0"/>
+              <a:buChar char="•"/>
+            </a:pPr>
+            <a:endParaRPr lang="ru-RU" sz="3500" dirty="0">
+              <a:solidFill>
+                <a:schemeClr val="bg1"/>
+              </a:solidFill>
+              <a:latin typeface="Franklin Gothic Book" panose="020B0503020102020204" pitchFamily="34" charset="0"/>
+            </a:endParaRPr>
+          </a:p>
+        </p:txBody>
+      </p:sp>
     </p:spTree>
     <p:extLst>
       <p:ext uri="{BB962C8B-B14F-4D97-AF65-F5344CB8AC3E}">
-        <p14:creationId xmlns:p14="http://schemas.microsoft.com/office/powerpoint/2010/main" val="1654585467"/>
+        <p14:creationId xmlns:p14="http://schemas.microsoft.com/office/powerpoint/2010/main" val="933234627"/>
       </p:ext>
     </p:extLst>
   </p:cSld>
   <p:clrMapOvr>
     <a:masterClrMapping/>
   </p:clrMapOvr>
+  <p:timing>
+    <p:tnLst>
+      <p:par>
+        <p:cTn id="1" dur="indefinite" restart="never" nodeType="tmRoot"/>
+      </p:par>
+    </p:tnLst>
+  </p:timing>
 </p:sld>
 </file>
 
@@ -4796,7 +5432,1418 @@
           </a:prstGeom>
           <a:solidFill>
             <a:schemeClr val="tx1">
-              <a:alpha val="70000"/>
+              <a:alpha val="82000"/>
+            </a:schemeClr>
+          </a:solidFill>
+          <a:ln>
+            <a:noFill/>
+          </a:ln>
+        </p:spPr>
+        <p:style>
+          <a:lnRef idx="2">
+            <a:schemeClr val="accent1">
+              <a:shade val="50000"/>
+            </a:schemeClr>
+          </a:lnRef>
+          <a:fillRef idx="1">
+            <a:schemeClr val="accent1"/>
+          </a:fillRef>
+          <a:effectRef idx="0">
+            <a:schemeClr val="accent1"/>
+          </a:effectRef>
+          <a:fontRef idx="minor">
+            <a:schemeClr val="lt1"/>
+          </a:fontRef>
+        </p:style>
+        <p:txBody>
+          <a:bodyPr rtlCol="0" anchor="ctr"/>
+          <a:lstStyle/>
+          <a:p>
+            <a:pPr marL="285750" indent="-285750" algn="ctr" rtl="0">
+              <a:buFont typeface="Arial" panose="020B0604020202020204" pitchFamily="34" charset="0"/>
+              <a:buChar char="•"/>
+            </a:pPr>
+            <a:endParaRPr lang="ru-RU" dirty="0"/>
+          </a:p>
+        </p:txBody>
+      </p:sp>
+      <p:sp>
+        <p:nvSpPr>
+          <p:cNvPr id="10" name="TextBox 9">
+            <a:extLst>
+              <a:ext uri="{FF2B5EF4-FFF2-40B4-BE49-F238E27FC236}">
+                <a16:creationId xmlns:a16="http://schemas.microsoft.com/office/drawing/2014/main" id="{9CADE52E-F01C-40BD-94E0-2CB73CC4ACAC}"/>
+              </a:ext>
+            </a:extLst>
+          </p:cNvPr>
+          <p:cNvSpPr txBox="1"/>
+          <p:nvPr/>
+        </p:nvSpPr>
+        <p:spPr>
+          <a:xfrm>
+            <a:off x="1447799" y="406400"/>
+            <a:ext cx="5593645" cy="830997"/>
+          </a:xfrm>
+          <a:prstGeom prst="rect">
+            <a:avLst/>
+          </a:prstGeom>
+          <a:noFill/>
+        </p:spPr>
+        <p:txBody>
+          <a:bodyPr wrap="square" rtlCol="0">
+            <a:spAutoFit/>
+          </a:bodyPr>
+          <a:lstStyle/>
+          <a:p>
+            <a:pPr algn="ctr"/>
+            <a:r>
+              <a:rPr lang="ru-RU" sz="4800" dirty="0">
+                <a:solidFill>
+                  <a:schemeClr val="bg1"/>
+                </a:solidFill>
+                <a:latin typeface="Franklin Gothic Book" panose="020B0503020102020204" pitchFamily="34" charset="0"/>
+              </a:rPr>
+              <a:t>Жанр</a:t>
+            </a:r>
+          </a:p>
+        </p:txBody>
+      </p:sp>
+      <p:sp>
+        <p:nvSpPr>
+          <p:cNvPr id="2" name="TextBox 1">
+            <a:extLst>
+              <a:ext uri="{FF2B5EF4-FFF2-40B4-BE49-F238E27FC236}">
+                <a16:creationId xmlns:a16="http://schemas.microsoft.com/office/drawing/2014/main" id="{9CA3043D-08FA-4512-8A34-9C7B3E6AFB04}"/>
+              </a:ext>
+            </a:extLst>
+          </p:cNvPr>
+          <p:cNvSpPr txBox="1"/>
+          <p:nvPr/>
+        </p:nvSpPr>
+        <p:spPr>
+          <a:xfrm>
+            <a:off x="1038577" y="1237397"/>
+            <a:ext cx="6412090" cy="4278094"/>
+          </a:xfrm>
+          <a:prstGeom prst="rect">
+            <a:avLst/>
+          </a:prstGeom>
+          <a:noFill/>
+        </p:spPr>
+        <p:txBody>
+          <a:bodyPr wrap="square" rtlCol="0">
+            <a:spAutoFit/>
+          </a:bodyPr>
+          <a:lstStyle/>
+          <a:p>
+            <a:pPr algn="just"/>
+            <a:r>
+              <a:rPr lang="ru-RU" sz="3400" dirty="0">
+                <a:solidFill>
+                  <a:schemeClr val="bg1"/>
+                </a:solidFill>
+                <a:latin typeface="Franklin Gothic Book" panose="020B0503020102020204" pitchFamily="34" charset="0"/>
+              </a:rPr>
+              <a:t>Игра сделана в стиле Roguelike. Это значит, что после смерти персонажа игра начинается заново</a:t>
+            </a:r>
+            <a:r>
+              <a:rPr lang="en-US" sz="3400" dirty="0">
+                <a:solidFill>
+                  <a:schemeClr val="bg1"/>
+                </a:solidFill>
+                <a:latin typeface="Franklin Gothic Book" panose="020B0503020102020204" pitchFamily="34" charset="0"/>
+              </a:rPr>
+              <a:t>, </a:t>
+            </a:r>
+            <a:r>
+              <a:rPr lang="ru-RU" sz="3400" dirty="0">
+                <a:solidFill>
+                  <a:schemeClr val="bg1"/>
+                </a:solidFill>
+                <a:latin typeface="Franklin Gothic Book" panose="020B0503020102020204" pitchFamily="34" charset="0"/>
+              </a:rPr>
+              <a:t>никаких сохранений нет. Таких игр очень много. Наиболее известными являются</a:t>
+            </a:r>
+            <a:r>
+              <a:rPr lang="en-US" sz="3400" dirty="0">
+                <a:solidFill>
+                  <a:schemeClr val="bg1"/>
+                </a:solidFill>
+                <a:latin typeface="Franklin Gothic Book" panose="020B0503020102020204" pitchFamily="34" charset="0"/>
+              </a:rPr>
+              <a:t> Dead Cells </a:t>
+            </a:r>
+            <a:r>
+              <a:rPr lang="ru-RU" sz="3400" dirty="0">
+                <a:solidFill>
+                  <a:schemeClr val="bg1"/>
+                </a:solidFill>
+                <a:latin typeface="Franklin Gothic Book" panose="020B0503020102020204" pitchFamily="34" charset="0"/>
+              </a:rPr>
+              <a:t>и </a:t>
+            </a:r>
+            <a:r>
+              <a:rPr lang="en-US" sz="3400" dirty="0" smtClean="0">
+                <a:solidFill>
+                  <a:schemeClr val="bg1"/>
+                </a:solidFill>
+                <a:latin typeface="Franklin Gothic Book" panose="020B0503020102020204" pitchFamily="34" charset="0"/>
+              </a:rPr>
+              <a:t>Don’t Starve.</a:t>
+            </a:r>
+            <a:endParaRPr lang="ru-RU" sz="3400" dirty="0">
+              <a:solidFill>
+                <a:schemeClr val="bg1"/>
+              </a:solidFill>
+              <a:latin typeface="Franklin Gothic Book" panose="020B0503020102020204" pitchFamily="34" charset="0"/>
+            </a:endParaRPr>
+          </a:p>
+        </p:txBody>
+      </p:sp>
+      <p:pic>
+        <p:nvPicPr>
+          <p:cNvPr id="1030" name="Picture 6" descr="https://static.wikia.nocookie.net/deadcells_gamepedia_en/images/f/f7/Dead_Cells_Soundtrack.jpg/revision/latest?cb=20201216161036">
+            <a:extLst>
+              <a:ext uri="{FF2B5EF4-FFF2-40B4-BE49-F238E27FC236}">
+                <a16:creationId xmlns:a16="http://schemas.microsoft.com/office/drawing/2014/main" id="{383F2FA6-43CC-4EB9-B5E0-AAF95C726235}"/>
+              </a:ext>
+            </a:extLst>
+          </p:cNvPr>
+          <p:cNvPicPr>
+            <a:picLocks noChangeAspect="1" noChangeArrowheads="1"/>
+          </p:cNvPicPr>
+          <p:nvPr/>
+        </p:nvPicPr>
+        <p:blipFill>
+          <a:blip r:embed="rId4" cstate="hqprint">
+            <a:extLst>
+              <a:ext uri="{28A0092B-C50C-407E-A947-70E740481C1C}">
+                <a14:useLocalDpi xmlns:a14="http://schemas.microsoft.com/office/drawing/2010/main" val="0"/>
+              </a:ext>
+            </a:extLst>
+          </a:blip>
+          <a:srcRect/>
+          <a:stretch>
+            <a:fillRect/>
+          </a:stretch>
+        </p:blipFill>
+        <p:spPr bwMode="auto">
+          <a:xfrm>
+            <a:off x="8046471" y="364954"/>
+            <a:ext cx="3007152" cy="3007152"/>
+          </a:xfrm>
+          <a:prstGeom prst="rect">
+            <a:avLst/>
+          </a:prstGeom>
+          <a:noFill/>
+          <a:extLst>
+            <a:ext uri="{909E8E84-426E-40DD-AFC4-6F175D3DCCD1}">
+              <a14:hiddenFill xmlns:a14="http://schemas.microsoft.com/office/drawing/2010/main">
+                <a:solidFill>
+                  <a:srgbClr val="FFFFFF"/>
+                </a:solidFill>
+              </a14:hiddenFill>
+            </a:ext>
+          </a:extLst>
+        </p:spPr>
+      </p:pic>
+      <p:pic>
+        <p:nvPicPr>
+          <p:cNvPr id="3" name="Рисунок 2"/>
+          <p:cNvPicPr>
+            <a:picLocks noChangeAspect="1"/>
+          </p:cNvPicPr>
+          <p:nvPr/>
+        </p:nvPicPr>
+        <p:blipFill rotWithShape="1">
+          <a:blip r:embed="rId5"/>
+          <a:srcRect l="21953" r="21822"/>
+          <a:stretch/>
+        </p:blipFill>
+        <p:spPr>
+          <a:xfrm>
+            <a:off x="8048625" y="3507827"/>
+            <a:ext cx="3009900" cy="3011252"/>
+          </a:xfrm>
+          <a:prstGeom prst="rect">
+            <a:avLst/>
+          </a:prstGeom>
+        </p:spPr>
+      </p:pic>
+    </p:spTree>
+    <p:extLst>
+      <p:ext uri="{BB962C8B-B14F-4D97-AF65-F5344CB8AC3E}">
+        <p14:creationId xmlns:p14="http://schemas.microsoft.com/office/powerpoint/2010/main" val="1087364306"/>
+      </p:ext>
+    </p:extLst>
+  </p:cSld>
+  <p:clrMapOvr>
+    <a:masterClrMapping/>
+  </p:clrMapOvr>
+  <p:timing>
+    <p:tnLst>
+      <p:par>
+        <p:cTn id="1" dur="indefinite" restart="never" nodeType="tmRoot"/>
+      </p:par>
+    </p:tnLst>
+  </p:timing>
+</p:sld>
+</file>
+
+<file path=ppt/slides/slide4.xml><?xml version="1.0" encoding="utf-8"?>
+<p:sld xmlns:a="http://schemas.openxmlformats.org/drawingml/2006/main" xmlns:r="http://schemas.openxmlformats.org/officeDocument/2006/relationships" xmlns:p="http://schemas.openxmlformats.org/presentationml/2006/main">
+  <p:cSld>
+    <p:spTree>
+      <p:nvGrpSpPr>
+        <p:cNvPr id="1" name=""/>
+        <p:cNvGrpSpPr/>
+        <p:nvPr/>
+      </p:nvGrpSpPr>
+      <p:grpSpPr>
+        <a:xfrm>
+          <a:off x="0" y="0"/>
+          <a:ext cx="0" cy="0"/>
+          <a:chOff x="0" y="0"/>
+          <a:chExt cx="0" cy="0"/>
+        </a:xfrm>
+      </p:grpSpPr>
+      <p:pic>
+        <p:nvPicPr>
+          <p:cNvPr id="6" name="Рисунок 5">
+            <a:extLst>
+              <a:ext uri="{FF2B5EF4-FFF2-40B4-BE49-F238E27FC236}">
+                <a16:creationId xmlns:a16="http://schemas.microsoft.com/office/drawing/2014/main" id="{541D5B67-F774-423E-B1B7-6B999BC9E5F0}"/>
+              </a:ext>
+            </a:extLst>
+          </p:cNvPr>
+          <p:cNvPicPr>
+            <a:picLocks noChangeAspect="1"/>
+          </p:cNvPicPr>
+          <p:nvPr/>
+        </p:nvPicPr>
+        <p:blipFill rotWithShape="1">
+          <a:blip r:embed="rId3"/>
+          <a:srcRect t="1746"/>
+          <a:stretch/>
+        </p:blipFill>
+        <p:spPr>
+          <a:xfrm>
+            <a:off x="0" y="-128716"/>
+            <a:ext cx="12192000" cy="6986716"/>
+          </a:xfrm>
+          <a:prstGeom prst="rect">
+            <a:avLst/>
+          </a:prstGeom>
+        </p:spPr>
+      </p:pic>
+      <p:sp>
+        <p:nvSpPr>
+          <p:cNvPr id="7" name="Прямоугольник 6" title="Наложенное изображение">
+            <a:extLst>
+              <a:ext uri="{FF2B5EF4-FFF2-40B4-BE49-F238E27FC236}">
+                <a16:creationId xmlns:a16="http://schemas.microsoft.com/office/drawing/2014/main" id="{AED0AEC6-3FE2-45B8-85B6-45264283DBF4}"/>
+              </a:ext>
+            </a:extLst>
+          </p:cNvPr>
+          <p:cNvSpPr/>
+          <p:nvPr/>
+        </p:nvSpPr>
+        <p:spPr bwMode="ltGray">
+          <a:xfrm>
+            <a:off x="133350" y="80588"/>
+            <a:ext cx="11925300" cy="6574212"/>
+          </a:xfrm>
+          <a:prstGeom prst="rect">
+            <a:avLst/>
+          </a:prstGeom>
+          <a:solidFill>
+            <a:schemeClr val="tx1">
+              <a:alpha val="82000"/>
+            </a:schemeClr>
+          </a:solidFill>
+          <a:ln>
+            <a:noFill/>
+          </a:ln>
+        </p:spPr>
+        <p:style>
+          <a:lnRef idx="2">
+            <a:schemeClr val="accent1">
+              <a:shade val="50000"/>
+            </a:schemeClr>
+          </a:lnRef>
+          <a:fillRef idx="1">
+            <a:schemeClr val="accent1"/>
+          </a:fillRef>
+          <a:effectRef idx="0">
+            <a:schemeClr val="accent1"/>
+          </a:effectRef>
+          <a:fontRef idx="minor">
+            <a:schemeClr val="lt1"/>
+          </a:fontRef>
+        </p:style>
+        <p:txBody>
+          <a:bodyPr rtlCol="0" anchor="ctr"/>
+          <a:lstStyle/>
+          <a:p>
+            <a:pPr marL="285750" indent="-285750" algn="ctr" rtl="0">
+              <a:buFont typeface="Arial" panose="020B0604020202020204" pitchFamily="34" charset="0"/>
+              <a:buChar char="•"/>
+            </a:pPr>
+            <a:endParaRPr lang="ru-RU" dirty="0"/>
+          </a:p>
+        </p:txBody>
+      </p:sp>
+      <p:sp>
+        <p:nvSpPr>
+          <p:cNvPr id="8" name="TextBox 7">
+            <a:extLst>
+              <a:ext uri="{FF2B5EF4-FFF2-40B4-BE49-F238E27FC236}">
+                <a16:creationId xmlns:a16="http://schemas.microsoft.com/office/drawing/2014/main" id="{25271DDC-02D1-4DA1-8A9F-B57FF34DDD70}"/>
+              </a:ext>
+            </a:extLst>
+          </p:cNvPr>
+          <p:cNvSpPr txBox="1"/>
+          <p:nvPr/>
+        </p:nvSpPr>
+        <p:spPr>
+          <a:xfrm>
+            <a:off x="4076523" y="406400"/>
+            <a:ext cx="4038953" cy="830997"/>
+          </a:xfrm>
+          <a:prstGeom prst="rect">
+            <a:avLst/>
+          </a:prstGeom>
+          <a:noFill/>
+        </p:spPr>
+        <p:txBody>
+          <a:bodyPr wrap="square" rtlCol="0">
+            <a:spAutoFit/>
+          </a:bodyPr>
+          <a:lstStyle/>
+          <a:p>
+            <a:pPr algn="ctr"/>
+            <a:r>
+              <a:rPr lang="ru-RU" sz="4800" dirty="0" smtClean="0">
+                <a:solidFill>
+                  <a:schemeClr val="bg1"/>
+                </a:solidFill>
+                <a:latin typeface="Franklin Gothic Book" panose="020B0503020102020204" pitchFamily="34" charset="0"/>
+              </a:rPr>
+              <a:t>Спрайты</a:t>
+            </a:r>
+            <a:endParaRPr lang="ru-RU" sz="4800" dirty="0">
+              <a:solidFill>
+                <a:schemeClr val="bg1"/>
+              </a:solidFill>
+              <a:latin typeface="Franklin Gothic Book" panose="020B0503020102020204" pitchFamily="34" charset="0"/>
+            </a:endParaRPr>
+          </a:p>
+        </p:txBody>
+      </p:sp>
+      <p:sp>
+        <p:nvSpPr>
+          <p:cNvPr id="9" name="TextBox 8">
+            <a:extLst>
+              <a:ext uri="{FF2B5EF4-FFF2-40B4-BE49-F238E27FC236}">
+                <a16:creationId xmlns:a16="http://schemas.microsoft.com/office/drawing/2014/main" id="{2882DF71-C85A-41F1-9A8F-2565DB5D175E}"/>
+              </a:ext>
+            </a:extLst>
+          </p:cNvPr>
+          <p:cNvSpPr txBox="1"/>
+          <p:nvPr/>
+        </p:nvSpPr>
+        <p:spPr>
+          <a:xfrm>
+            <a:off x="1004711" y="1563209"/>
+            <a:ext cx="10182578" cy="3862596"/>
+          </a:xfrm>
+          <a:prstGeom prst="rect">
+            <a:avLst/>
+          </a:prstGeom>
+          <a:noFill/>
+        </p:spPr>
+        <p:txBody>
+          <a:bodyPr wrap="square" rtlCol="0">
+            <a:spAutoFit/>
+          </a:bodyPr>
+          <a:lstStyle/>
+          <a:p>
+            <a:pPr algn="just"/>
+            <a:r>
+              <a:rPr lang="ru-RU" sz="3500" dirty="0" smtClean="0">
+                <a:solidFill>
+                  <a:schemeClr val="bg1"/>
+                </a:solidFill>
+                <a:latin typeface="Franklin Gothic Book" panose="020B0503020102020204" pitchFamily="34" charset="0"/>
+              </a:rPr>
+              <a:t>Важнейшая часть игры – это спрайты. Мне больше всех понравились эти</a:t>
+            </a:r>
+            <a:r>
+              <a:rPr lang="en-US" sz="3500" dirty="0" smtClean="0">
+                <a:solidFill>
+                  <a:schemeClr val="bg1"/>
+                </a:solidFill>
+                <a:latin typeface="Franklin Gothic Book" panose="020B0503020102020204" pitchFamily="34" charset="0"/>
+              </a:rPr>
+              <a:t>:</a:t>
+            </a:r>
+            <a:r>
+              <a:rPr lang="ru-RU" sz="3500" dirty="0" smtClean="0">
+                <a:solidFill>
+                  <a:schemeClr val="bg1"/>
+                </a:solidFill>
+                <a:latin typeface="Franklin Gothic Book" panose="020B0503020102020204" pitchFamily="34" charset="0"/>
+              </a:rPr>
+              <a:t> </a:t>
+            </a:r>
+            <a:r>
+              <a:rPr lang="en-US" sz="3500" dirty="0">
+                <a:solidFill>
+                  <a:schemeClr val="bg1"/>
+                </a:solidFill>
+                <a:latin typeface="Franklin Gothic Book" panose="020B0503020102020204" pitchFamily="34" charset="0"/>
+                <a:hlinkClick r:id="rId4"/>
+              </a:rPr>
+              <a:t>https://</a:t>
+            </a:r>
+            <a:r>
+              <a:rPr lang="en-US" sz="3500" dirty="0" smtClean="0">
+                <a:solidFill>
+                  <a:schemeClr val="bg1"/>
+                </a:solidFill>
+                <a:latin typeface="Franklin Gothic Book" panose="020B0503020102020204" pitchFamily="34" charset="0"/>
+                <a:hlinkClick r:id="rId4"/>
+              </a:rPr>
+              <a:t>pixelfrog-assets.itch.io/kings-and-pigs</a:t>
+            </a:r>
+            <a:r>
+              <a:rPr lang="en-US" sz="3500" dirty="0" smtClean="0">
+                <a:solidFill>
+                  <a:schemeClr val="bg1"/>
+                </a:solidFill>
+                <a:latin typeface="Franklin Gothic Book" panose="020B0503020102020204" pitchFamily="34" charset="0"/>
+              </a:rPr>
+              <a:t>. </a:t>
+            </a:r>
+            <a:r>
+              <a:rPr lang="ru-RU" sz="3500" dirty="0" smtClean="0">
+                <a:solidFill>
+                  <a:schemeClr val="bg1"/>
+                </a:solidFill>
+                <a:latin typeface="Franklin Gothic Book" panose="020B0503020102020204" pitchFamily="34" charset="0"/>
+              </a:rPr>
+              <a:t>Но была одна проблема</a:t>
+            </a:r>
+            <a:r>
+              <a:rPr lang="en-US" sz="3500" dirty="0">
+                <a:solidFill>
+                  <a:schemeClr val="bg1"/>
+                </a:solidFill>
+                <a:latin typeface="Franklin Gothic Book" panose="020B0503020102020204" pitchFamily="34" charset="0"/>
+              </a:rPr>
+              <a:t> </a:t>
+            </a:r>
+            <a:r>
+              <a:rPr lang="en-US" sz="3500" dirty="0" smtClean="0">
+                <a:solidFill>
+                  <a:schemeClr val="bg1"/>
+                </a:solidFill>
+                <a:latin typeface="Franklin Gothic Book" panose="020B0503020102020204" pitchFamily="34" charset="0"/>
+              </a:rPr>
+              <a:t>– </a:t>
+            </a:r>
+            <a:r>
+              <a:rPr lang="ru-RU" sz="3500" dirty="0" smtClean="0">
+                <a:solidFill>
+                  <a:schemeClr val="bg1"/>
+                </a:solidFill>
+                <a:latin typeface="Franklin Gothic Book" panose="020B0503020102020204" pitchFamily="34" charset="0"/>
+              </a:rPr>
+              <a:t>их маленький размер</a:t>
+            </a:r>
+            <a:r>
+              <a:rPr lang="en-US" sz="3500" dirty="0" smtClean="0">
+                <a:solidFill>
+                  <a:schemeClr val="bg1"/>
+                </a:solidFill>
+                <a:latin typeface="Franklin Gothic Book" panose="020B0503020102020204" pitchFamily="34" charset="0"/>
+              </a:rPr>
+              <a:t>,</a:t>
+            </a:r>
+            <a:r>
+              <a:rPr lang="ru-RU" sz="3500" dirty="0" smtClean="0">
+                <a:solidFill>
+                  <a:schemeClr val="bg1"/>
+                </a:solidFill>
+                <a:latin typeface="Franklin Gothic Book" panose="020B0503020102020204" pitchFamily="34" charset="0"/>
+              </a:rPr>
+              <a:t> всего 32х32. Но с помощью простого скрипта на </a:t>
+            </a:r>
+            <a:r>
+              <a:rPr lang="en-US" sz="3500" dirty="0" smtClean="0">
+                <a:solidFill>
+                  <a:schemeClr val="bg1"/>
+                </a:solidFill>
+                <a:latin typeface="Franklin Gothic Book" panose="020B0503020102020204" pitchFamily="34" charset="0"/>
+              </a:rPr>
+              <a:t>Python</a:t>
+            </a:r>
+            <a:r>
+              <a:rPr lang="ru-RU" sz="3500" dirty="0" smtClean="0">
+                <a:solidFill>
+                  <a:schemeClr val="bg1"/>
+                </a:solidFill>
+                <a:latin typeface="Franklin Gothic Book" panose="020B0503020102020204" pitchFamily="34" charset="0"/>
+              </a:rPr>
+              <a:t> я увеличил их до </a:t>
+            </a:r>
+            <a:r>
+              <a:rPr lang="en-US" sz="3500" dirty="0" smtClean="0">
+                <a:solidFill>
+                  <a:schemeClr val="bg1"/>
+                </a:solidFill>
+                <a:latin typeface="Franklin Gothic Book" panose="020B0503020102020204" pitchFamily="34" charset="0"/>
+              </a:rPr>
+              <a:t>64x64. </a:t>
+            </a:r>
+            <a:r>
+              <a:rPr lang="ru-RU" sz="3500" dirty="0" smtClean="0">
+                <a:solidFill>
+                  <a:schemeClr val="bg1"/>
+                </a:solidFill>
+                <a:latin typeface="Franklin Gothic Book" panose="020B0503020102020204" pitchFamily="34" charset="0"/>
+              </a:rPr>
+              <a:t>Так играть будет намного приятнее.</a:t>
+            </a:r>
+            <a:endParaRPr lang="ru-RU" sz="3500" dirty="0" smtClean="0">
+              <a:solidFill>
+                <a:schemeClr val="bg1"/>
+              </a:solidFill>
+              <a:latin typeface="Franklin Gothic Book" panose="020B0503020102020204" pitchFamily="34" charset="0"/>
+            </a:endParaRPr>
+          </a:p>
+          <a:p>
+            <a:pPr marL="457200" indent="-457200" algn="just">
+              <a:buFont typeface="Arial" panose="020B0604020202020204" pitchFamily="34" charset="0"/>
+              <a:buChar char="•"/>
+            </a:pPr>
+            <a:endParaRPr lang="ru-RU" sz="3500" dirty="0">
+              <a:solidFill>
+                <a:schemeClr val="bg1"/>
+              </a:solidFill>
+              <a:latin typeface="Franklin Gothic Book" panose="020B0503020102020204" pitchFamily="34" charset="0"/>
+            </a:endParaRPr>
+          </a:p>
+        </p:txBody>
+      </p:sp>
+    </p:spTree>
+    <p:extLst>
+      <p:ext uri="{BB962C8B-B14F-4D97-AF65-F5344CB8AC3E}">
+        <p14:creationId xmlns:p14="http://schemas.microsoft.com/office/powerpoint/2010/main" val="1547615125"/>
+      </p:ext>
+    </p:extLst>
+  </p:cSld>
+  <p:clrMapOvr>
+    <a:masterClrMapping/>
+  </p:clrMapOvr>
+  <p:timing>
+    <p:tnLst>
+      <p:par>
+        <p:cTn id="1" dur="indefinite" restart="never" nodeType="tmRoot"/>
+      </p:par>
+    </p:tnLst>
+  </p:timing>
+</p:sld>
+</file>
+
+<file path=ppt/slides/slide5.xml><?xml version="1.0" encoding="utf-8"?>
+<p:sld xmlns:a="http://schemas.openxmlformats.org/drawingml/2006/main" xmlns:r="http://schemas.openxmlformats.org/officeDocument/2006/relationships" xmlns:p="http://schemas.openxmlformats.org/presentationml/2006/main">
+  <p:cSld>
+    <p:spTree>
+      <p:nvGrpSpPr>
+        <p:cNvPr id="1" name=""/>
+        <p:cNvGrpSpPr/>
+        <p:nvPr/>
+      </p:nvGrpSpPr>
+      <p:grpSpPr>
+        <a:xfrm>
+          <a:off x="0" y="0"/>
+          <a:ext cx="0" cy="0"/>
+          <a:chOff x="0" y="0"/>
+          <a:chExt cx="0" cy="0"/>
+        </a:xfrm>
+      </p:grpSpPr>
+      <p:pic>
+        <p:nvPicPr>
+          <p:cNvPr id="6" name="Рисунок 5">
+            <a:extLst>
+              <a:ext uri="{FF2B5EF4-FFF2-40B4-BE49-F238E27FC236}">
+                <a16:creationId xmlns:a16="http://schemas.microsoft.com/office/drawing/2014/main" id="{541D5B67-F774-423E-B1B7-6B999BC9E5F0}"/>
+              </a:ext>
+            </a:extLst>
+          </p:cNvPr>
+          <p:cNvPicPr>
+            <a:picLocks noChangeAspect="1"/>
+          </p:cNvPicPr>
+          <p:nvPr/>
+        </p:nvPicPr>
+        <p:blipFill rotWithShape="1">
+          <a:blip r:embed="rId3"/>
+          <a:srcRect t="1746"/>
+          <a:stretch/>
+        </p:blipFill>
+        <p:spPr>
+          <a:xfrm>
+            <a:off x="0" y="-128716"/>
+            <a:ext cx="12192000" cy="6986716"/>
+          </a:xfrm>
+          <a:prstGeom prst="rect">
+            <a:avLst/>
+          </a:prstGeom>
+        </p:spPr>
+      </p:pic>
+      <p:sp>
+        <p:nvSpPr>
+          <p:cNvPr id="7" name="Прямоугольник 6" title="Наложенное изображение">
+            <a:extLst>
+              <a:ext uri="{FF2B5EF4-FFF2-40B4-BE49-F238E27FC236}">
+                <a16:creationId xmlns:a16="http://schemas.microsoft.com/office/drawing/2014/main" id="{AED0AEC6-3FE2-45B8-85B6-45264283DBF4}"/>
+              </a:ext>
+            </a:extLst>
+          </p:cNvPr>
+          <p:cNvSpPr/>
+          <p:nvPr/>
+        </p:nvSpPr>
+        <p:spPr bwMode="ltGray">
+          <a:xfrm>
+            <a:off x="133350" y="80588"/>
+            <a:ext cx="11925300" cy="6574212"/>
+          </a:xfrm>
+          <a:prstGeom prst="rect">
+            <a:avLst/>
+          </a:prstGeom>
+          <a:solidFill>
+            <a:schemeClr val="tx1">
+              <a:alpha val="82000"/>
+            </a:schemeClr>
+          </a:solidFill>
+          <a:ln>
+            <a:noFill/>
+          </a:ln>
+        </p:spPr>
+        <p:style>
+          <a:lnRef idx="2">
+            <a:schemeClr val="accent1">
+              <a:shade val="50000"/>
+            </a:schemeClr>
+          </a:lnRef>
+          <a:fillRef idx="1">
+            <a:schemeClr val="accent1"/>
+          </a:fillRef>
+          <a:effectRef idx="0">
+            <a:schemeClr val="accent1"/>
+          </a:effectRef>
+          <a:fontRef idx="minor">
+            <a:schemeClr val="lt1"/>
+          </a:fontRef>
+        </p:style>
+        <p:txBody>
+          <a:bodyPr rtlCol="0" anchor="ctr"/>
+          <a:lstStyle/>
+          <a:p>
+            <a:pPr marL="285750" indent="-285750" algn="ctr" rtl="0">
+              <a:buFont typeface="Arial" panose="020B0604020202020204" pitchFamily="34" charset="0"/>
+              <a:buChar char="•"/>
+            </a:pPr>
+            <a:endParaRPr lang="ru-RU" dirty="0"/>
+          </a:p>
+        </p:txBody>
+      </p:sp>
+      <p:sp>
+        <p:nvSpPr>
+          <p:cNvPr id="8" name="TextBox 7">
+            <a:extLst>
+              <a:ext uri="{FF2B5EF4-FFF2-40B4-BE49-F238E27FC236}">
+                <a16:creationId xmlns:a16="http://schemas.microsoft.com/office/drawing/2014/main" id="{25271DDC-02D1-4DA1-8A9F-B57FF34DDD70}"/>
+              </a:ext>
+            </a:extLst>
+          </p:cNvPr>
+          <p:cNvSpPr txBox="1"/>
+          <p:nvPr/>
+        </p:nvSpPr>
+        <p:spPr>
+          <a:xfrm>
+            <a:off x="4076523" y="320675"/>
+            <a:ext cx="4038953" cy="830997"/>
+          </a:xfrm>
+          <a:prstGeom prst="rect">
+            <a:avLst/>
+          </a:prstGeom>
+          <a:noFill/>
+        </p:spPr>
+        <p:txBody>
+          <a:bodyPr wrap="square" rtlCol="0">
+            <a:spAutoFit/>
+          </a:bodyPr>
+          <a:lstStyle/>
+          <a:p>
+            <a:pPr algn="ctr"/>
+            <a:r>
+              <a:rPr lang="ru-RU" sz="4800" dirty="0" smtClean="0">
+                <a:solidFill>
+                  <a:schemeClr val="bg1"/>
+                </a:solidFill>
+                <a:latin typeface="Franklin Gothic Book" panose="020B0503020102020204" pitchFamily="34" charset="0"/>
+              </a:rPr>
+              <a:t>Карты</a:t>
+            </a:r>
+            <a:endParaRPr lang="ru-RU" sz="4800" dirty="0">
+              <a:solidFill>
+                <a:schemeClr val="bg1"/>
+              </a:solidFill>
+              <a:latin typeface="Franklin Gothic Book" panose="020B0503020102020204" pitchFamily="34" charset="0"/>
+            </a:endParaRPr>
+          </a:p>
+        </p:txBody>
+      </p:sp>
+      <p:sp>
+        <p:nvSpPr>
+          <p:cNvPr id="5" name="TextBox 4">
+            <a:extLst>
+              <a:ext uri="{FF2B5EF4-FFF2-40B4-BE49-F238E27FC236}">
+                <a16:creationId xmlns:a16="http://schemas.microsoft.com/office/drawing/2014/main" id="{2882DF71-C85A-41F1-9A8F-2565DB5D175E}"/>
+              </a:ext>
+            </a:extLst>
+          </p:cNvPr>
+          <p:cNvSpPr txBox="1"/>
+          <p:nvPr/>
+        </p:nvSpPr>
+        <p:spPr>
+          <a:xfrm>
+            <a:off x="1004711" y="1563209"/>
+            <a:ext cx="10182578" cy="3323987"/>
+          </a:xfrm>
+          <a:prstGeom prst="rect">
+            <a:avLst/>
+          </a:prstGeom>
+          <a:noFill/>
+        </p:spPr>
+        <p:txBody>
+          <a:bodyPr wrap="square" rtlCol="0">
+            <a:spAutoFit/>
+          </a:bodyPr>
+          <a:lstStyle/>
+          <a:p>
+            <a:pPr algn="just"/>
+            <a:r>
+              <a:rPr lang="ru-RU" sz="3500" dirty="0" smtClean="0">
+                <a:solidFill>
+                  <a:schemeClr val="bg1"/>
+                </a:solidFill>
+                <a:latin typeface="Franklin Gothic Book" panose="020B0503020102020204" pitchFamily="34" charset="0"/>
+              </a:rPr>
+              <a:t>Карты созданы вручную при помощи </a:t>
+            </a:r>
+            <a:r>
+              <a:rPr lang="en-US" sz="3500" dirty="0" smtClean="0">
+                <a:solidFill>
+                  <a:schemeClr val="bg1"/>
+                </a:solidFill>
+                <a:latin typeface="Franklin Gothic Book" panose="020B0503020102020204" pitchFamily="34" charset="0"/>
+              </a:rPr>
+              <a:t>Tiled Map Editor. </a:t>
+            </a:r>
+            <a:r>
+              <a:rPr lang="ru-RU" sz="3500" dirty="0" smtClean="0">
+                <a:solidFill>
+                  <a:schemeClr val="bg1"/>
+                </a:solidFill>
+                <a:latin typeface="Franklin Gothic Book" panose="020B0503020102020204" pitchFamily="34" charset="0"/>
+              </a:rPr>
+              <a:t>Просто загружаешь картинку</a:t>
+            </a:r>
+            <a:r>
+              <a:rPr lang="en-US" sz="3500" dirty="0" smtClean="0">
+                <a:solidFill>
+                  <a:schemeClr val="bg1"/>
+                </a:solidFill>
+                <a:latin typeface="Franklin Gothic Book" panose="020B0503020102020204" pitchFamily="34" charset="0"/>
+              </a:rPr>
+              <a:t>, Tiled </a:t>
+            </a:r>
+            <a:r>
+              <a:rPr lang="ru-RU" sz="3500" dirty="0" smtClean="0">
+                <a:solidFill>
+                  <a:schemeClr val="bg1"/>
+                </a:solidFill>
+                <a:latin typeface="Franklin Gothic Book" panose="020B0503020102020204" pitchFamily="34" charset="0"/>
+              </a:rPr>
+              <a:t>делит ее на </a:t>
+            </a:r>
+            <a:r>
+              <a:rPr lang="ru-RU" sz="3500" dirty="0" err="1" smtClean="0">
+                <a:solidFill>
+                  <a:schemeClr val="bg1"/>
+                </a:solidFill>
+                <a:latin typeface="Franklin Gothic Book" panose="020B0503020102020204" pitchFamily="34" charset="0"/>
+              </a:rPr>
+              <a:t>тайлы</a:t>
+            </a:r>
+            <a:r>
+              <a:rPr lang="en-US" sz="3500" dirty="0" smtClean="0">
+                <a:solidFill>
+                  <a:schemeClr val="bg1"/>
+                </a:solidFill>
+                <a:latin typeface="Franklin Gothic Book" panose="020B0503020102020204" pitchFamily="34" charset="0"/>
+              </a:rPr>
+              <a:t>, </a:t>
+            </a:r>
+            <a:r>
+              <a:rPr lang="ru-RU" sz="3500" dirty="0" smtClean="0">
+                <a:solidFill>
+                  <a:schemeClr val="bg1"/>
+                </a:solidFill>
+                <a:latin typeface="Franklin Gothic Book" panose="020B0503020102020204" pitchFamily="34" charset="0"/>
+              </a:rPr>
+              <a:t>и можно начинать рисовать. Когда карта готова</a:t>
+            </a:r>
+            <a:r>
+              <a:rPr lang="en-US" sz="3500" dirty="0" smtClean="0">
+                <a:solidFill>
+                  <a:schemeClr val="bg1"/>
+                </a:solidFill>
+                <a:latin typeface="Franklin Gothic Book" panose="020B0503020102020204" pitchFamily="34" charset="0"/>
+              </a:rPr>
+              <a:t>, </a:t>
+            </a:r>
+            <a:r>
+              <a:rPr lang="ru-RU" sz="3500" dirty="0" smtClean="0">
+                <a:solidFill>
+                  <a:schemeClr val="bg1"/>
+                </a:solidFill>
+                <a:latin typeface="Franklin Gothic Book" panose="020B0503020102020204" pitchFamily="34" charset="0"/>
+              </a:rPr>
+              <a:t>можно экспортировать ее в </a:t>
+            </a:r>
+            <a:r>
+              <a:rPr lang="en-US" sz="3500" dirty="0" smtClean="0">
+                <a:solidFill>
+                  <a:schemeClr val="bg1"/>
+                </a:solidFill>
+                <a:latin typeface="Franklin Gothic Book" panose="020B0503020102020204" pitchFamily="34" charset="0"/>
+              </a:rPr>
+              <a:t>csv </a:t>
+            </a:r>
+            <a:r>
+              <a:rPr lang="ru-RU" sz="3500" dirty="0" smtClean="0">
+                <a:solidFill>
+                  <a:schemeClr val="bg1"/>
+                </a:solidFill>
+                <a:latin typeface="Franklin Gothic Book" panose="020B0503020102020204" pitchFamily="34" charset="0"/>
+              </a:rPr>
+              <a:t>формат и работать уже с ним. </a:t>
+            </a:r>
+            <a:endParaRPr lang="ru-RU" sz="3500" dirty="0" smtClean="0">
+              <a:solidFill>
+                <a:schemeClr val="bg1"/>
+              </a:solidFill>
+              <a:latin typeface="Franklin Gothic Book" panose="020B0503020102020204" pitchFamily="34" charset="0"/>
+            </a:endParaRPr>
+          </a:p>
+          <a:p>
+            <a:pPr marL="457200" indent="-457200" algn="just">
+              <a:buFont typeface="Arial" panose="020B0604020202020204" pitchFamily="34" charset="0"/>
+              <a:buChar char="•"/>
+            </a:pPr>
+            <a:endParaRPr lang="ru-RU" sz="3500" dirty="0">
+              <a:solidFill>
+                <a:schemeClr val="bg1"/>
+              </a:solidFill>
+              <a:latin typeface="Franklin Gothic Book" panose="020B0503020102020204" pitchFamily="34" charset="0"/>
+            </a:endParaRPr>
+          </a:p>
+        </p:txBody>
+      </p:sp>
+    </p:spTree>
+    <p:extLst>
+      <p:ext uri="{BB962C8B-B14F-4D97-AF65-F5344CB8AC3E}">
+        <p14:creationId xmlns:p14="http://schemas.microsoft.com/office/powerpoint/2010/main" val="2380577857"/>
+      </p:ext>
+    </p:extLst>
+  </p:cSld>
+  <p:clrMapOvr>
+    <a:masterClrMapping/>
+  </p:clrMapOvr>
+  <p:timing>
+    <p:tnLst>
+      <p:par>
+        <p:cTn id="1" dur="indefinite" restart="never" nodeType="tmRoot"/>
+      </p:par>
+    </p:tnLst>
+  </p:timing>
+</p:sld>
+</file>
+
+<file path=ppt/slides/slide6.xml><?xml version="1.0" encoding="utf-8"?>
+<p:sld xmlns:a="http://schemas.openxmlformats.org/drawingml/2006/main" xmlns:r="http://schemas.openxmlformats.org/officeDocument/2006/relationships" xmlns:p="http://schemas.openxmlformats.org/presentationml/2006/main">
+  <p:cSld>
+    <p:spTree>
+      <p:nvGrpSpPr>
+        <p:cNvPr id="1" name=""/>
+        <p:cNvGrpSpPr/>
+        <p:nvPr/>
+      </p:nvGrpSpPr>
+      <p:grpSpPr>
+        <a:xfrm>
+          <a:off x="0" y="0"/>
+          <a:ext cx="0" cy="0"/>
+          <a:chOff x="0" y="0"/>
+          <a:chExt cx="0" cy="0"/>
+        </a:xfrm>
+      </p:grpSpPr>
+      <p:pic>
+        <p:nvPicPr>
+          <p:cNvPr id="6" name="Рисунок 5">
+            <a:extLst>
+              <a:ext uri="{FF2B5EF4-FFF2-40B4-BE49-F238E27FC236}">
+                <a16:creationId xmlns:a16="http://schemas.microsoft.com/office/drawing/2014/main" id="{541D5B67-F774-423E-B1B7-6B999BC9E5F0}"/>
+              </a:ext>
+            </a:extLst>
+          </p:cNvPr>
+          <p:cNvPicPr>
+            <a:picLocks noChangeAspect="1"/>
+          </p:cNvPicPr>
+          <p:nvPr/>
+        </p:nvPicPr>
+        <p:blipFill rotWithShape="1">
+          <a:blip r:embed="rId3"/>
+          <a:srcRect t="1746"/>
+          <a:stretch/>
+        </p:blipFill>
+        <p:spPr>
+          <a:xfrm>
+            <a:off x="0" y="-128716"/>
+            <a:ext cx="12192000" cy="6986716"/>
+          </a:xfrm>
+          <a:prstGeom prst="rect">
+            <a:avLst/>
+          </a:prstGeom>
+        </p:spPr>
+      </p:pic>
+      <p:sp>
+        <p:nvSpPr>
+          <p:cNvPr id="7" name="Прямоугольник 6" title="Наложенное изображение">
+            <a:extLst>
+              <a:ext uri="{FF2B5EF4-FFF2-40B4-BE49-F238E27FC236}">
+                <a16:creationId xmlns:a16="http://schemas.microsoft.com/office/drawing/2014/main" id="{AED0AEC6-3FE2-45B8-85B6-45264283DBF4}"/>
+              </a:ext>
+            </a:extLst>
+          </p:cNvPr>
+          <p:cNvSpPr/>
+          <p:nvPr/>
+        </p:nvSpPr>
+        <p:spPr bwMode="ltGray">
+          <a:xfrm>
+            <a:off x="133350" y="80588"/>
+            <a:ext cx="11925300" cy="6574212"/>
+          </a:xfrm>
+          <a:prstGeom prst="rect">
+            <a:avLst/>
+          </a:prstGeom>
+          <a:solidFill>
+            <a:schemeClr val="tx1">
+              <a:alpha val="82000"/>
+            </a:schemeClr>
+          </a:solidFill>
+          <a:ln>
+            <a:noFill/>
+          </a:ln>
+        </p:spPr>
+        <p:style>
+          <a:lnRef idx="2">
+            <a:schemeClr val="accent1">
+              <a:shade val="50000"/>
+            </a:schemeClr>
+          </a:lnRef>
+          <a:fillRef idx="1">
+            <a:schemeClr val="accent1"/>
+          </a:fillRef>
+          <a:effectRef idx="0">
+            <a:schemeClr val="accent1"/>
+          </a:effectRef>
+          <a:fontRef idx="minor">
+            <a:schemeClr val="lt1"/>
+          </a:fontRef>
+        </p:style>
+        <p:txBody>
+          <a:bodyPr rtlCol="0" anchor="ctr"/>
+          <a:lstStyle/>
+          <a:p>
+            <a:pPr marL="285750" indent="-285750" algn="ctr" rtl="0">
+              <a:buFont typeface="Arial" panose="020B0604020202020204" pitchFamily="34" charset="0"/>
+              <a:buChar char="•"/>
+            </a:pPr>
+            <a:endParaRPr lang="ru-RU" dirty="0"/>
+          </a:p>
+        </p:txBody>
+      </p:sp>
+      <p:sp>
+        <p:nvSpPr>
+          <p:cNvPr id="8" name="TextBox 7">
+            <a:extLst>
+              <a:ext uri="{FF2B5EF4-FFF2-40B4-BE49-F238E27FC236}">
+                <a16:creationId xmlns:a16="http://schemas.microsoft.com/office/drawing/2014/main" id="{25271DDC-02D1-4DA1-8A9F-B57FF34DDD70}"/>
+              </a:ext>
+            </a:extLst>
+          </p:cNvPr>
+          <p:cNvSpPr txBox="1"/>
+          <p:nvPr/>
+        </p:nvSpPr>
+        <p:spPr>
+          <a:xfrm>
+            <a:off x="4076523" y="320675"/>
+            <a:ext cx="4038953" cy="830997"/>
+          </a:xfrm>
+          <a:prstGeom prst="rect">
+            <a:avLst/>
+          </a:prstGeom>
+          <a:noFill/>
+        </p:spPr>
+        <p:txBody>
+          <a:bodyPr wrap="square" rtlCol="0">
+            <a:spAutoFit/>
+          </a:bodyPr>
+          <a:lstStyle/>
+          <a:p>
+            <a:pPr algn="ctr"/>
+            <a:r>
+              <a:rPr lang="ru-RU" sz="4800" dirty="0" smtClean="0">
+                <a:solidFill>
+                  <a:schemeClr val="bg1"/>
+                </a:solidFill>
+                <a:latin typeface="Franklin Gothic Book" panose="020B0503020102020204" pitchFamily="34" charset="0"/>
+              </a:rPr>
+              <a:t>Архитектура</a:t>
+            </a:r>
+            <a:endParaRPr lang="ru-RU" sz="4800" dirty="0">
+              <a:solidFill>
+                <a:schemeClr val="bg1"/>
+              </a:solidFill>
+              <a:latin typeface="Franklin Gothic Book" panose="020B0503020102020204" pitchFamily="34" charset="0"/>
+            </a:endParaRPr>
+          </a:p>
+        </p:txBody>
+      </p:sp>
+      <p:sp>
+        <p:nvSpPr>
+          <p:cNvPr id="10" name="TextBox 9">
+            <a:extLst>
+              <a:ext uri="{FF2B5EF4-FFF2-40B4-BE49-F238E27FC236}">
+                <a16:creationId xmlns:a16="http://schemas.microsoft.com/office/drawing/2014/main" id="{2882DF71-C85A-41F1-9A8F-2565DB5D175E}"/>
+              </a:ext>
+            </a:extLst>
+          </p:cNvPr>
+          <p:cNvSpPr txBox="1"/>
+          <p:nvPr/>
+        </p:nvSpPr>
+        <p:spPr>
+          <a:xfrm>
+            <a:off x="1004711" y="1563209"/>
+            <a:ext cx="10182578" cy="3862596"/>
+          </a:xfrm>
+          <a:prstGeom prst="rect">
+            <a:avLst/>
+          </a:prstGeom>
+          <a:noFill/>
+        </p:spPr>
+        <p:txBody>
+          <a:bodyPr wrap="square" rtlCol="0">
+            <a:spAutoFit/>
+          </a:bodyPr>
+          <a:lstStyle/>
+          <a:p>
+            <a:pPr algn="just"/>
+            <a:r>
+              <a:rPr lang="ru-RU" sz="3500" dirty="0" smtClean="0">
+                <a:solidFill>
+                  <a:schemeClr val="bg1"/>
+                </a:solidFill>
+                <a:latin typeface="Franklin Gothic Book" panose="020B0503020102020204" pitchFamily="34" charset="0"/>
+              </a:rPr>
+              <a:t>Игра полностью реализована с помощью ООП. </a:t>
+            </a:r>
+          </a:p>
+          <a:p>
+            <a:pPr algn="just"/>
+            <a:r>
+              <a:rPr lang="ru-RU" sz="3500" dirty="0" smtClean="0">
+                <a:solidFill>
+                  <a:schemeClr val="bg1"/>
+                </a:solidFill>
+                <a:latin typeface="Franklin Gothic Book" panose="020B0503020102020204" pitchFamily="34" charset="0"/>
+              </a:rPr>
+              <a:t>В игре есть три основных класса – </a:t>
+            </a:r>
+            <a:r>
+              <a:rPr lang="en-US" sz="3500" dirty="0" smtClean="0">
+                <a:solidFill>
+                  <a:schemeClr val="bg1"/>
+                </a:solidFill>
+                <a:latin typeface="Franklin Gothic Book" panose="020B0503020102020204" pitchFamily="34" charset="0"/>
+              </a:rPr>
+              <a:t>Game, Menu </a:t>
+            </a:r>
+            <a:r>
+              <a:rPr lang="ru-RU" sz="3500" dirty="0" smtClean="0">
+                <a:solidFill>
+                  <a:schemeClr val="bg1"/>
+                </a:solidFill>
+                <a:latin typeface="Franklin Gothic Book" panose="020B0503020102020204" pitchFamily="34" charset="0"/>
+              </a:rPr>
+              <a:t>и </a:t>
+            </a:r>
+            <a:r>
+              <a:rPr lang="en-US" sz="3500" dirty="0" smtClean="0">
+                <a:solidFill>
+                  <a:schemeClr val="bg1"/>
+                </a:solidFill>
+                <a:latin typeface="Franklin Gothic Book" panose="020B0503020102020204" pitchFamily="34" charset="0"/>
+              </a:rPr>
+              <a:t>Level. </a:t>
+            </a:r>
+            <a:r>
+              <a:rPr lang="ru-RU" sz="3500" dirty="0" smtClean="0">
+                <a:solidFill>
+                  <a:schemeClr val="bg1"/>
+                </a:solidFill>
+                <a:latin typeface="Franklin Gothic Book" panose="020B0503020102020204" pitchFamily="34" charset="0"/>
+              </a:rPr>
+              <a:t>В классе </a:t>
+            </a:r>
+            <a:r>
+              <a:rPr lang="en-US" sz="3500" dirty="0" smtClean="0">
+                <a:solidFill>
+                  <a:schemeClr val="bg1"/>
+                </a:solidFill>
+                <a:latin typeface="Franklin Gothic Book" panose="020B0503020102020204" pitchFamily="34" charset="0"/>
+              </a:rPr>
+              <a:t>Level </a:t>
+            </a:r>
+            <a:r>
+              <a:rPr lang="ru-RU" sz="3500" dirty="0" smtClean="0">
+                <a:solidFill>
+                  <a:schemeClr val="bg1"/>
+                </a:solidFill>
+                <a:latin typeface="Franklin Gothic Book" panose="020B0503020102020204" pitchFamily="34" charset="0"/>
+              </a:rPr>
+              <a:t>происходит сам игровой процесс – прохождение уровня. Класс </a:t>
+            </a:r>
+            <a:r>
+              <a:rPr lang="en-US" sz="3500" dirty="0" smtClean="0">
+                <a:solidFill>
+                  <a:schemeClr val="bg1"/>
+                </a:solidFill>
+                <a:latin typeface="Franklin Gothic Book" panose="020B0503020102020204" pitchFamily="34" charset="0"/>
+              </a:rPr>
+              <a:t>Menu</a:t>
+            </a:r>
+            <a:r>
+              <a:rPr lang="ru-RU" sz="3500" dirty="0" smtClean="0">
+                <a:solidFill>
+                  <a:schemeClr val="bg1"/>
+                </a:solidFill>
+                <a:latin typeface="Franklin Gothic Book" panose="020B0503020102020204" pitchFamily="34" charset="0"/>
+              </a:rPr>
+              <a:t> отвечает за меню</a:t>
+            </a:r>
+            <a:r>
+              <a:rPr lang="en-US" sz="3500" dirty="0" smtClean="0">
+                <a:solidFill>
+                  <a:schemeClr val="bg1"/>
+                </a:solidFill>
+                <a:latin typeface="Franklin Gothic Book" panose="020B0503020102020204" pitchFamily="34" charset="0"/>
+              </a:rPr>
+              <a:t> </a:t>
+            </a:r>
+            <a:r>
+              <a:rPr lang="ru-RU" sz="3500" dirty="0" smtClean="0">
+                <a:solidFill>
+                  <a:schemeClr val="bg1"/>
+                </a:solidFill>
+                <a:latin typeface="Franklin Gothic Book" panose="020B0503020102020204" pitchFamily="34" charset="0"/>
+              </a:rPr>
+              <a:t>– это меню паузы</a:t>
+            </a:r>
+            <a:r>
+              <a:rPr lang="en-US" sz="3500" dirty="0" smtClean="0">
+                <a:solidFill>
+                  <a:schemeClr val="bg1"/>
+                </a:solidFill>
+                <a:latin typeface="Franklin Gothic Book" panose="020B0503020102020204" pitchFamily="34" charset="0"/>
+              </a:rPr>
+              <a:t>, </a:t>
+            </a:r>
+            <a:r>
+              <a:rPr lang="ru-RU" sz="3500" dirty="0" smtClean="0">
+                <a:solidFill>
+                  <a:schemeClr val="bg1"/>
+                </a:solidFill>
+                <a:latin typeface="Franklin Gothic Book" panose="020B0503020102020204" pitchFamily="34" charset="0"/>
+              </a:rPr>
+              <a:t>меню в конце игры и главное меню. А класс </a:t>
+            </a:r>
+            <a:r>
+              <a:rPr lang="en-US" sz="3500" dirty="0" smtClean="0">
+                <a:solidFill>
+                  <a:schemeClr val="bg1"/>
+                </a:solidFill>
+                <a:latin typeface="Franklin Gothic Book" panose="020B0503020102020204" pitchFamily="34" charset="0"/>
+              </a:rPr>
+              <a:t>Game </a:t>
+            </a:r>
+            <a:r>
+              <a:rPr lang="ru-RU" sz="3500" dirty="0" smtClean="0">
+                <a:solidFill>
+                  <a:schemeClr val="bg1"/>
+                </a:solidFill>
+                <a:latin typeface="Franklin Gothic Book" panose="020B0503020102020204" pitchFamily="34" charset="0"/>
+              </a:rPr>
+              <a:t>нужен для связи между классами </a:t>
+            </a:r>
+            <a:r>
+              <a:rPr lang="en-US" sz="3500" dirty="0" smtClean="0">
+                <a:solidFill>
+                  <a:schemeClr val="bg1"/>
+                </a:solidFill>
+                <a:latin typeface="Franklin Gothic Book" panose="020B0503020102020204" pitchFamily="34" charset="0"/>
+              </a:rPr>
+              <a:t>Level </a:t>
+            </a:r>
+            <a:r>
+              <a:rPr lang="ru-RU" sz="3500" dirty="0" smtClean="0">
+                <a:solidFill>
+                  <a:schemeClr val="bg1"/>
+                </a:solidFill>
+                <a:latin typeface="Franklin Gothic Book" panose="020B0503020102020204" pitchFamily="34" charset="0"/>
+              </a:rPr>
+              <a:t>и </a:t>
+            </a:r>
+            <a:r>
+              <a:rPr lang="en-US" sz="3500" dirty="0" smtClean="0">
+                <a:solidFill>
+                  <a:schemeClr val="bg1"/>
+                </a:solidFill>
+                <a:latin typeface="Franklin Gothic Book" panose="020B0503020102020204" pitchFamily="34" charset="0"/>
+              </a:rPr>
+              <a:t>Menu</a:t>
+            </a:r>
+            <a:r>
+              <a:rPr lang="ru-RU" sz="3500" dirty="0" smtClean="0">
+                <a:solidFill>
+                  <a:schemeClr val="bg1"/>
+                </a:solidFill>
+                <a:latin typeface="Franklin Gothic Book" panose="020B0503020102020204" pitchFamily="34" charset="0"/>
+              </a:rPr>
+              <a:t>.</a:t>
+            </a:r>
+            <a:endParaRPr lang="ru-RU" sz="3500" dirty="0">
+              <a:solidFill>
+                <a:schemeClr val="bg1"/>
+              </a:solidFill>
+              <a:latin typeface="Franklin Gothic Book" panose="020B0503020102020204" pitchFamily="34" charset="0"/>
+            </a:endParaRPr>
+          </a:p>
+        </p:txBody>
+      </p:sp>
+    </p:spTree>
+    <p:extLst>
+      <p:ext uri="{BB962C8B-B14F-4D97-AF65-F5344CB8AC3E}">
+        <p14:creationId xmlns:p14="http://schemas.microsoft.com/office/powerpoint/2010/main" val="3337849256"/>
+      </p:ext>
+    </p:extLst>
+  </p:cSld>
+  <p:clrMapOvr>
+    <a:masterClrMapping/>
+  </p:clrMapOvr>
+  <p:timing>
+    <p:tnLst>
+      <p:par>
+        <p:cTn id="1" dur="indefinite" restart="never" nodeType="tmRoot"/>
+      </p:par>
+    </p:tnLst>
+  </p:timing>
+</p:sld>
+</file>
+
+<file path=ppt/slides/slide7.xml><?xml version="1.0" encoding="utf-8"?>
+<p:sld xmlns:a="http://schemas.openxmlformats.org/drawingml/2006/main" xmlns:r="http://schemas.openxmlformats.org/officeDocument/2006/relationships" xmlns:p="http://schemas.openxmlformats.org/presentationml/2006/main">
+  <p:cSld>
+    <p:spTree>
+      <p:nvGrpSpPr>
+        <p:cNvPr id="1" name=""/>
+        <p:cNvGrpSpPr/>
+        <p:nvPr/>
+      </p:nvGrpSpPr>
+      <p:grpSpPr>
+        <a:xfrm>
+          <a:off x="0" y="0"/>
+          <a:ext cx="0" cy="0"/>
+          <a:chOff x="0" y="0"/>
+          <a:chExt cx="0" cy="0"/>
+        </a:xfrm>
+      </p:grpSpPr>
+      <p:pic>
+        <p:nvPicPr>
+          <p:cNvPr id="6" name="Рисунок 5">
+            <a:extLst>
+              <a:ext uri="{FF2B5EF4-FFF2-40B4-BE49-F238E27FC236}">
+                <a16:creationId xmlns:a16="http://schemas.microsoft.com/office/drawing/2014/main" id="{541D5B67-F774-423E-B1B7-6B999BC9E5F0}"/>
+              </a:ext>
+            </a:extLst>
+          </p:cNvPr>
+          <p:cNvPicPr>
+            <a:picLocks noChangeAspect="1"/>
+          </p:cNvPicPr>
+          <p:nvPr/>
+        </p:nvPicPr>
+        <p:blipFill rotWithShape="1">
+          <a:blip r:embed="rId3"/>
+          <a:srcRect t="1746"/>
+          <a:stretch/>
+        </p:blipFill>
+        <p:spPr>
+          <a:xfrm>
+            <a:off x="0" y="-128716"/>
+            <a:ext cx="12192000" cy="6986716"/>
+          </a:xfrm>
+          <a:prstGeom prst="rect">
+            <a:avLst/>
+          </a:prstGeom>
+        </p:spPr>
+      </p:pic>
+      <p:sp>
+        <p:nvSpPr>
+          <p:cNvPr id="7" name="Прямоугольник 6" title="Наложенное изображение">
+            <a:extLst>
+              <a:ext uri="{FF2B5EF4-FFF2-40B4-BE49-F238E27FC236}">
+                <a16:creationId xmlns:a16="http://schemas.microsoft.com/office/drawing/2014/main" id="{AED0AEC6-3FE2-45B8-85B6-45264283DBF4}"/>
+              </a:ext>
+            </a:extLst>
+          </p:cNvPr>
+          <p:cNvSpPr/>
+          <p:nvPr/>
+        </p:nvSpPr>
+        <p:spPr bwMode="ltGray">
+          <a:xfrm>
+            <a:off x="133350" y="80588"/>
+            <a:ext cx="11925300" cy="6574212"/>
+          </a:xfrm>
+          <a:prstGeom prst="rect">
+            <a:avLst/>
+          </a:prstGeom>
+          <a:solidFill>
+            <a:schemeClr val="tx1">
+              <a:alpha val="84000"/>
             </a:schemeClr>
           </a:solidFill>
           <a:ln>
@@ -4983,10 +7030,17 @@
   <p:clrMapOvr>
     <a:masterClrMapping/>
   </p:clrMapOvr>
+  <p:timing>
+    <p:tnLst>
+      <p:par>
+        <p:cTn id="1" dur="indefinite" restart="never" nodeType="tmRoot"/>
+      </p:par>
+    </p:tnLst>
+  </p:timing>
 </p:sld>
 </file>
 
-<file path=ppt/slides/slide4.xml><?xml version="1.0" encoding="utf-8"?>
+<file path=ppt/slides/slide8.xml><?xml version="1.0" encoding="utf-8"?>
 <p:sld xmlns:a="http://schemas.openxmlformats.org/drawingml/2006/main" xmlns:r="http://schemas.openxmlformats.org/officeDocument/2006/relationships" xmlns:p="http://schemas.openxmlformats.org/presentationml/2006/main">
   <p:cSld>
     <p:spTree>
@@ -5054,7 +7108,7 @@
           </a:prstGeom>
           <a:solidFill>
             <a:schemeClr val="tx1">
-              <a:alpha val="70000"/>
+              <a:alpha val="82000"/>
             </a:schemeClr>
           </a:solidFill>
           <a:ln>
@@ -5135,13 +7189,13 @@
         </p:nvPicPr>
         <p:blipFill rotWithShape="1">
           <a:blip r:embed="rId5"/>
-          <a:srcRect l="50000"/>
+          <a:srcRect l="51297"/>
           <a:stretch/>
         </p:blipFill>
         <p:spPr>
           <a:xfrm>
-            <a:off x="3668889" y="3522133"/>
-            <a:ext cx="2133600" cy="2133600"/>
+            <a:off x="3724275" y="3522133"/>
+            <a:ext cx="2078214" cy="2133600"/>
           </a:xfrm>
           <a:prstGeom prst="rect">
             <a:avLst/>
@@ -5336,10 +7390,17 @@
   <p:clrMapOvr>
     <a:masterClrMapping/>
   </p:clrMapOvr>
+  <p:timing>
+    <p:tnLst>
+      <p:par>
+        <p:cTn id="1" dur="indefinite" restart="never" nodeType="tmRoot"/>
+      </p:par>
+    </p:tnLst>
+  </p:timing>
 </p:sld>
 </file>
 
-<file path=ppt/slides/slide5.xml><?xml version="1.0" encoding="utf-8"?>
+<file path=ppt/slides/slide9.xml><?xml version="1.0" encoding="utf-8"?>
 <p:sld xmlns:a="http://schemas.openxmlformats.org/drawingml/2006/main" xmlns:r="http://schemas.openxmlformats.org/officeDocument/2006/relationships" xmlns:p="http://schemas.openxmlformats.org/presentationml/2006/main">
   <p:cSld>
     <p:spTree>
@@ -5407,7 +7468,7 @@
           </a:prstGeom>
           <a:solidFill>
             <a:schemeClr val="tx1">
-              <a:alpha val="70000"/>
+              <a:alpha val="82000"/>
             </a:schemeClr>
           </a:solidFill>
           <a:ln>
@@ -5498,7 +7559,7 @@
         <p:spPr>
           <a:xfrm>
             <a:off x="1004711" y="1373287"/>
-            <a:ext cx="10182578" cy="4939814"/>
+            <a:ext cx="10182578" cy="4401205"/>
           </a:xfrm>
           <a:prstGeom prst="rect">
             <a:avLst/>
@@ -5618,7 +7679,25 @@
                 </a:solidFill>
                 <a:latin typeface="Franklin Gothic Book" panose="020B0503020102020204" pitchFamily="34" charset="0"/>
               </a:rPr>
-              <a:t>но это оказалось очень затягивающим. Строить архитектуру для игр было особенно интересно</a:t>
+              <a:t>но это оказалось очень затягивающим. Строить архитектуру для </a:t>
+            </a:r>
+            <a:r>
+              <a:rPr lang="ru-RU" sz="3500" dirty="0" smtClean="0">
+                <a:solidFill>
+                  <a:schemeClr val="bg1"/>
+                </a:solidFill>
+                <a:latin typeface="Franklin Gothic Book" panose="020B0503020102020204" pitchFamily="34" charset="0"/>
+              </a:rPr>
+              <a:t>игры </a:t>
+            </a:r>
+            <a:r>
+              <a:rPr lang="ru-RU" sz="3500" dirty="0">
+                <a:solidFill>
+                  <a:schemeClr val="bg1"/>
+                </a:solidFill>
+                <a:latin typeface="Franklin Gothic Book" panose="020B0503020102020204" pitchFamily="34" charset="0"/>
+              </a:rPr>
+              <a:t>было особенно интересно</a:t>
             </a:r>
             <a:r>
               <a:rPr lang="en-US" sz="3500" dirty="0">
@@ -5651,238 +7730,43 @@
                 </a:solidFill>
                 <a:latin typeface="Franklin Gothic Book" panose="020B0503020102020204" pitchFamily="34" charset="0"/>
               </a:rPr>
-              <a:t>+ проект в портфолио и опыт создания архитектуры!</a:t>
-            </a:r>
+              <a:t>+ проект в </a:t>
+            </a:r>
+            <a:r>
+              <a:rPr lang="ru-RU" sz="3500" dirty="0" smtClean="0">
+                <a:solidFill>
+                  <a:schemeClr val="bg1"/>
+                </a:solidFill>
+                <a:latin typeface="Franklin Gothic Book" panose="020B0503020102020204" pitchFamily="34" charset="0"/>
+              </a:rPr>
+              <a:t>портфолио!</a:t>
+            </a:r>
+            <a:endParaRPr lang="ru-RU" sz="3500" dirty="0">
+              <a:solidFill>
+                <a:schemeClr val="bg1"/>
+              </a:solidFill>
+              <a:latin typeface="Franklin Gothic Book" panose="020B0503020102020204" pitchFamily="34" charset="0"/>
+            </a:endParaRPr>
           </a:p>
         </p:txBody>
       </p:sp>
     </p:spTree>
     <p:extLst>
       <p:ext uri="{BB962C8B-B14F-4D97-AF65-F5344CB8AC3E}">
-        <p14:creationId xmlns:p14="http://schemas.microsoft.com/office/powerpoint/2010/main" val="933234627"/>
+        <p14:creationId xmlns:p14="http://schemas.microsoft.com/office/powerpoint/2010/main" val="2462118332"/>
       </p:ext>
     </p:extLst>
   </p:cSld>
   <p:clrMapOvr>
     <a:masterClrMapping/>
   </p:clrMapOvr>
-</p:sld>
-</file>
-
-<file path=ppt/slides/slide6.xml><?xml version="1.0" encoding="utf-8"?>
-<p:sld xmlns:a="http://schemas.openxmlformats.org/drawingml/2006/main" xmlns:r="http://schemas.openxmlformats.org/officeDocument/2006/relationships" xmlns:p="http://schemas.openxmlformats.org/presentationml/2006/main">
-  <p:cSld>
-    <p:spTree>
-      <p:nvGrpSpPr>
-        <p:cNvPr id="1" name=""/>
-        <p:cNvGrpSpPr/>
-        <p:nvPr/>
-      </p:nvGrpSpPr>
-      <p:grpSpPr>
-        <a:xfrm>
-          <a:off x="0" y="0"/>
-          <a:ext cx="0" cy="0"/>
-          <a:chOff x="0" y="0"/>
-          <a:chExt cx="0" cy="0"/>
-        </a:xfrm>
-      </p:grpSpPr>
-      <p:pic>
-        <p:nvPicPr>
-          <p:cNvPr id="6" name="Рисунок 5">
-            <a:extLst>
-              <a:ext uri="{FF2B5EF4-FFF2-40B4-BE49-F238E27FC236}">
-                <a16:creationId xmlns:a16="http://schemas.microsoft.com/office/drawing/2014/main" id="{541D5B67-F774-423E-B1B7-6B999BC9E5F0}"/>
-              </a:ext>
-            </a:extLst>
-          </p:cNvPr>
-          <p:cNvPicPr>
-            <a:picLocks noChangeAspect="1"/>
-          </p:cNvPicPr>
-          <p:nvPr/>
-        </p:nvPicPr>
-        <p:blipFill rotWithShape="1">
-          <a:blip r:embed="rId3"/>
-          <a:srcRect t="1746"/>
-          <a:stretch/>
-        </p:blipFill>
-        <p:spPr>
-          <a:xfrm>
-            <a:off x="0" y="-128716"/>
-            <a:ext cx="12192000" cy="6986716"/>
-          </a:xfrm>
-          <a:prstGeom prst="rect">
-            <a:avLst/>
-          </a:prstGeom>
-        </p:spPr>
-      </p:pic>
-      <p:sp>
-        <p:nvSpPr>
-          <p:cNvPr id="7" name="Прямоугольник 6" title="Наложенное изображение">
-            <a:extLst>
-              <a:ext uri="{FF2B5EF4-FFF2-40B4-BE49-F238E27FC236}">
-                <a16:creationId xmlns:a16="http://schemas.microsoft.com/office/drawing/2014/main" id="{AED0AEC6-3FE2-45B8-85B6-45264283DBF4}"/>
-              </a:ext>
-            </a:extLst>
-          </p:cNvPr>
-          <p:cNvSpPr/>
-          <p:nvPr/>
-        </p:nvSpPr>
-        <p:spPr bwMode="ltGray">
-          <a:xfrm>
-            <a:off x="133350" y="80588"/>
-            <a:ext cx="11925300" cy="6574212"/>
-          </a:xfrm>
-          <a:prstGeom prst="rect">
-            <a:avLst/>
-          </a:prstGeom>
-          <a:solidFill>
-            <a:schemeClr val="tx1">
-              <a:alpha val="70000"/>
-            </a:schemeClr>
-          </a:solidFill>
-          <a:ln>
-            <a:noFill/>
-          </a:ln>
-        </p:spPr>
-        <p:style>
-          <a:lnRef idx="2">
-            <a:schemeClr val="accent1">
-              <a:shade val="50000"/>
-            </a:schemeClr>
-          </a:lnRef>
-          <a:fillRef idx="1">
-            <a:schemeClr val="accent1"/>
-          </a:fillRef>
-          <a:effectRef idx="0">
-            <a:schemeClr val="accent1"/>
-          </a:effectRef>
-          <a:fontRef idx="minor">
-            <a:schemeClr val="lt1"/>
-          </a:fontRef>
-        </p:style>
-        <p:txBody>
-          <a:bodyPr rtlCol="0" anchor="ctr"/>
-          <a:lstStyle/>
-          <a:p>
-            <a:pPr marL="285750" indent="-285750" algn="ctr" rtl="0">
-              <a:buFont typeface="Arial" panose="020B0604020202020204" pitchFamily="34" charset="0"/>
-              <a:buChar char="•"/>
-            </a:pPr>
-            <a:endParaRPr lang="ru-RU" dirty="0"/>
-          </a:p>
-        </p:txBody>
-      </p:sp>
-      <p:sp>
-        <p:nvSpPr>
-          <p:cNvPr id="8" name="TextBox 7">
-            <a:extLst>
-              <a:ext uri="{FF2B5EF4-FFF2-40B4-BE49-F238E27FC236}">
-                <a16:creationId xmlns:a16="http://schemas.microsoft.com/office/drawing/2014/main" id="{25271DDC-02D1-4DA1-8A9F-B57FF34DDD70}"/>
-              </a:ext>
-            </a:extLst>
-          </p:cNvPr>
-          <p:cNvSpPr txBox="1"/>
-          <p:nvPr/>
-        </p:nvSpPr>
-        <p:spPr>
-          <a:xfrm>
-            <a:off x="2537177" y="437638"/>
-            <a:ext cx="7117645" cy="923330"/>
-          </a:xfrm>
-          <a:prstGeom prst="rect">
-            <a:avLst/>
-          </a:prstGeom>
-          <a:noFill/>
-        </p:spPr>
-        <p:txBody>
-          <a:bodyPr wrap="square" rtlCol="0">
-            <a:spAutoFit/>
-          </a:bodyPr>
-          <a:lstStyle/>
-          <a:p>
-            <a:pPr algn="ctr"/>
-            <a:r>
-              <a:rPr lang="ru-RU" sz="5400" dirty="0">
-                <a:solidFill>
-                  <a:schemeClr val="bg1"/>
-                </a:solidFill>
-                <a:latin typeface="Franklin Gothic Book" panose="020B0503020102020204" pitchFamily="34" charset="0"/>
-              </a:rPr>
-              <a:t>Спасибо за внимание!</a:t>
-            </a:r>
-          </a:p>
-        </p:txBody>
-      </p:sp>
-      <p:pic>
-        <p:nvPicPr>
-          <p:cNvPr id="2" name="Рисунок 1">
-            <a:extLst>
-              <a:ext uri="{FF2B5EF4-FFF2-40B4-BE49-F238E27FC236}">
-                <a16:creationId xmlns:a16="http://schemas.microsoft.com/office/drawing/2014/main" id="{E790B997-F54C-4564-9C6F-27549CA06D8A}"/>
-              </a:ext>
-            </a:extLst>
-          </p:cNvPr>
-          <p:cNvPicPr>
-            <a:picLocks noChangeAspect="1"/>
-          </p:cNvPicPr>
-          <p:nvPr/>
-        </p:nvPicPr>
-        <p:blipFill>
-          <a:blip r:embed="rId4"/>
-          <a:stretch>
-            <a:fillRect/>
-          </a:stretch>
-        </p:blipFill>
-        <p:spPr>
-          <a:xfrm>
-            <a:off x="2777067" y="2153810"/>
-            <a:ext cx="3870417" cy="2885220"/>
-          </a:xfrm>
-          <a:prstGeom prst="rect">
-            <a:avLst/>
-          </a:prstGeom>
-        </p:spPr>
-      </p:pic>
-      <p:pic>
-        <p:nvPicPr>
-          <p:cNvPr id="3" name="Рисунок 2">
-            <a:extLst>
-              <a:ext uri="{FF2B5EF4-FFF2-40B4-BE49-F238E27FC236}">
-                <a16:creationId xmlns:a16="http://schemas.microsoft.com/office/drawing/2014/main" id="{D6EB20A6-E903-4D5D-893A-F9D8A9EECA86}"/>
-              </a:ext>
-            </a:extLst>
-          </p:cNvPr>
-          <p:cNvPicPr>
-            <a:picLocks noChangeAspect="1"/>
-          </p:cNvPicPr>
-          <p:nvPr/>
-        </p:nvPicPr>
-        <p:blipFill>
-          <a:blip r:embed="rId5"/>
-          <a:stretch>
-            <a:fillRect/>
-          </a:stretch>
-        </p:blipFill>
-        <p:spPr>
-          <a:xfrm>
-            <a:off x="7288741" y="3512710"/>
-            <a:ext cx="1621716" cy="1526320"/>
-          </a:xfrm>
-          <a:prstGeom prst="rect">
-            <a:avLst/>
-          </a:prstGeom>
-        </p:spPr>
-      </p:pic>
-    </p:spTree>
-    <p:extLst>
-      <p:ext uri="{BB962C8B-B14F-4D97-AF65-F5344CB8AC3E}">
-        <p14:creationId xmlns:p14="http://schemas.microsoft.com/office/powerpoint/2010/main" val="1738206566"/>
-      </p:ext>
-    </p:extLst>
-  </p:cSld>
-  <p:clrMapOvr>
-    <a:masterClrMapping/>
-  </p:clrMapOvr>
+  <p:timing>
+    <p:tnLst>
+      <p:par>
+        <p:cTn id="1" dur="indefinite" restart="never" nodeType="tmRoot"/>
+      </p:par>
+    </p:tnLst>
+  </p:timing>
 </p:sld>
 </file>
 
